--- a/George Drakulic Presentation.pptx
+++ b/George Drakulic Presentation.pptx
@@ -552,6 +552,90 @@
     <p:extLst>
       <p:ext uri="{BB962C8B-B14F-4D97-AF65-F5344CB8AC3E}">
         <p14:creationId xmlns:p14="http://schemas.microsoft.com/office/powerpoint/2010/main" val="2135571613"/>
+      </p:ext>
+    </p:extLst>
+  </p:cSld>
+  <p:clrMapOvr>
+    <a:masterClrMapping/>
+  </p:clrMapOvr>
+</p:notes>
+</file>
+
+<file path=ppt/notesSlides/notesSlide2.xml><?xml version="1.0" encoding="utf-8"?>
+<p:notes xmlns:a="http://schemas.openxmlformats.org/drawingml/2006/main" xmlns:r="http://schemas.openxmlformats.org/officeDocument/2006/relationships" xmlns:p="http://schemas.openxmlformats.org/presentationml/2006/main">
+  <p:cSld>
+    <p:spTree>
+      <p:nvGrpSpPr>
+        <p:cNvPr id="1" name=""/>
+        <p:cNvGrpSpPr/>
+        <p:nvPr/>
+      </p:nvGrpSpPr>
+      <p:grpSpPr>
+        <a:xfrm>
+          <a:off x="0" y="0"/>
+          <a:ext cx="0" cy="0"/>
+          <a:chOff x="0" y="0"/>
+          <a:chExt cx="0" cy="0"/>
+        </a:xfrm>
+      </p:grpSpPr>
+      <p:sp>
+        <p:nvSpPr>
+          <p:cNvPr id="2" name="Slide Image Placeholder 1"/>
+          <p:cNvSpPr>
+            <a:spLocks noGrp="1" noRot="1" noChangeAspect="1"/>
+          </p:cNvSpPr>
+          <p:nvPr>
+            <p:ph type="sldImg"/>
+          </p:nvPr>
+        </p:nvSpPr>
+        <p:spPr/>
+      </p:sp>
+      <p:sp>
+        <p:nvSpPr>
+          <p:cNvPr id="3" name="Notes Placeholder 2"/>
+          <p:cNvSpPr>
+            <a:spLocks noGrp="1"/>
+          </p:cNvSpPr>
+          <p:nvPr>
+            <p:ph type="body" idx="1"/>
+          </p:nvPr>
+        </p:nvSpPr>
+        <p:spPr/>
+        <p:txBody>
+          <a:bodyPr/>
+          <a:lstStyle/>
+          <a:p>
+            <a:endParaRPr lang="en-US" dirty="0"/>
+          </a:p>
+        </p:txBody>
+      </p:sp>
+      <p:sp>
+        <p:nvSpPr>
+          <p:cNvPr id="4" name="Slide Number Placeholder 3"/>
+          <p:cNvSpPr>
+            <a:spLocks noGrp="1"/>
+          </p:cNvSpPr>
+          <p:nvPr>
+            <p:ph type="sldNum" sz="quarter" idx="10"/>
+          </p:nvPr>
+        </p:nvSpPr>
+        <p:spPr/>
+        <p:txBody>
+          <a:bodyPr/>
+          <a:lstStyle/>
+          <a:p>
+            <a:fld id="{E53E4D9C-E609-9F46-8513-462D4E05B2BD}" type="slidenum">
+              <a:rPr lang="en-US" smtClean="0"/>
+              <a:t>17</a:t>
+            </a:fld>
+            <a:endParaRPr lang="en-US" dirty="0"/>
+          </a:p>
+        </p:txBody>
+      </p:sp>
+    </p:spTree>
+    <p:extLst>
+      <p:ext uri="{BB962C8B-B14F-4D97-AF65-F5344CB8AC3E}">
+        <p14:creationId xmlns:p14="http://schemas.microsoft.com/office/powerpoint/2010/main" val="832107983"/>
       </p:ext>
     </p:extLst>
   </p:cSld>
@@ -6241,12 +6325,24 @@
         </p:nvSpPr>
         <p:spPr/>
         <p:txBody>
-          <a:bodyPr/>
+          <a:bodyPr>
+            <a:normAutofit/>
+          </a:bodyPr>
           <a:lstStyle/>
           <a:p>
             <a:r>
               <a:rPr lang="en-US" dirty="0" smtClean="0"/>
               <a:t>San Francisco</a:t>
+            </a:r>
+          </a:p>
+          <a:p>
+            <a:r>
+              <a:rPr lang="en-US" dirty="0"/>
+              <a:t>Districts 7, 8, and </a:t>
+            </a:r>
+            <a:r>
+              <a:rPr lang="en-US" dirty="0" smtClean="0"/>
+              <a:t>10</a:t>
             </a:r>
           </a:p>
           <a:p>
@@ -6264,11 +6360,10 @@
             </a:r>
           </a:p>
           <a:p>
-            <a:r>
-              <a:rPr lang="en-US" dirty="0" smtClean="0"/>
-              <a:t>Districts 7, 8, and 10</a:t>
-            </a:r>
-            <a:endParaRPr lang="en-US" dirty="0"/>
+            <a:endParaRPr lang="en-US" dirty="0" smtClean="0"/>
+          </a:p>
+          <a:p>
+            <a:endParaRPr lang="en-US" dirty="0" smtClean="0"/>
           </a:p>
         </p:txBody>
       </p:sp>
@@ -6289,7 +6384,7 @@
           <a:p>
             <a:fld id="{AE7EBC1E-FB68-614F-AC0E-84D697BF3CA8}" type="datetime1">
               <a:rPr lang="en-US" smtClean="0"/>
-              <a:t>11/29/16</a:t>
+              <a:t>11/30/16</a:t>
             </a:fld>
             <a:endParaRPr lang="en-US" dirty="0"/>
           </a:p>
@@ -6349,41 +6444,58 @@
           <a:p>
             <a:r>
               <a:rPr lang="en-US" sz="2400" dirty="0" smtClean="0">
+                <a:solidFill>
+                  <a:srgbClr val="FFFF00"/>
+                </a:solidFill>
                 <a:hlinkClick r:id="rId3"/>
               </a:rPr>
               <a:t>gdrakulic@gmail.com</a:t>
             </a:r>
-            <a:endParaRPr lang="en-US" sz="2400" dirty="0" smtClean="0"/>
           </a:p>
           <a:p>
             <a:r>
               <a:rPr lang="en-US" sz="2400" dirty="0">
-                <a:hlinkClick r:id="rId4"/>
+                <a:solidFill>
+                  <a:srgbClr val="FFFF00"/>
+                </a:solidFill>
+                <a:hlinkClick r:id="rId3"/>
               </a:rPr>
               <a:t>https://</a:t>
             </a:r>
             <a:r>
               <a:rPr lang="en-US" sz="2400" dirty="0" smtClean="0">
-                <a:hlinkClick r:id="rId4"/>
+                <a:solidFill>
+                  <a:srgbClr val="FFFF00"/>
+                </a:solidFill>
+                <a:hlinkClick r:id="rId3"/>
               </a:rPr>
               <a:t>www.linkedin.com/in/drakulic</a:t>
             </a:r>
-            <a:endParaRPr lang="en-US" sz="2400" dirty="0" smtClean="0"/>
           </a:p>
           <a:p>
             <a:r>
               <a:rPr lang="en-US" sz="2400" dirty="0">
-                <a:hlinkClick r:id="rId5"/>
+                <a:solidFill>
+                  <a:srgbClr val="FFFF00"/>
+                </a:solidFill>
+                <a:hlinkClick r:id="rId3"/>
               </a:rPr>
               <a:t>https://</a:t>
             </a:r>
             <a:r>
               <a:rPr lang="en-US" sz="2400" dirty="0" smtClean="0">
-                <a:hlinkClick r:id="rId5"/>
+                <a:solidFill>
+                  <a:srgbClr val="FFFF00"/>
+                </a:solidFill>
+                <a:hlinkClick r:id="rId3"/>
               </a:rPr>
               <a:t>github.com/drakulic/Capstone</a:t>
             </a:r>
-            <a:endParaRPr lang="en-US" sz="2400" dirty="0" smtClean="0"/>
+            <a:endParaRPr lang="en-US" sz="2400" dirty="0" smtClean="0">
+              <a:solidFill>
+                <a:srgbClr val="FFFF00"/>
+              </a:solidFill>
+            </a:endParaRPr>
           </a:p>
           <a:p>
             <a:endParaRPr lang="en-US" dirty="0"/>
@@ -6928,6 +7040,10 @@
             <a:r>
               <a:rPr lang="mr-IN" dirty="0" err="1" smtClean="0"/>
               <a:t>Log-Likelihoo</a:t>
+            </a:r>
+            <a:r>
+              <a:rPr lang="en-US" dirty="0" smtClean="0"/>
+              <a:t>d</a:t>
             </a:r>
             <a:r>
               <a:rPr lang="mr-IN" dirty="0" smtClean="0"/>
@@ -7417,7 +7533,7 @@
           <a:p>
             <a:fld id="{83A17F7D-EB98-264F-947E-E52E83252E85}" type="datetime1">
               <a:rPr lang="en-US" smtClean="0"/>
-              <a:t>11/29/16</a:t>
+              <a:t>11/30/16</a:t>
             </a:fld>
             <a:endParaRPr lang="en-US" dirty="0"/>
           </a:p>
@@ -7514,8 +7630,8 @@
         </p:nvSpPr>
         <p:spPr>
           <a:xfrm>
-            <a:off x="5930899" y="698499"/>
-            <a:ext cx="6134101" cy="5909310"/>
+            <a:off x="6438901" y="704175"/>
+            <a:ext cx="5194299" cy="5078313"/>
           </a:xfrm>
           <a:prstGeom prst="rect">
             <a:avLst/>
@@ -7528,22 +7644,12 @@
           <a:lstStyle/>
           <a:p>
             <a:r>
-              <a:rPr lang="en-US" dirty="0" err="1"/>
-              <a:t>lr_log</a:t>
-            </a:r>
-            <a:r>
-              <a:rPr lang="en-US" dirty="0"/>
-              <a:t> Train Variance score: 0.87lr_log Test Variance score: </a:t>
-            </a:r>
-            <a:r>
-              <a:rPr lang="en-US" dirty="0" smtClean="0"/>
-              <a:t>0.87</a:t>
-            </a:r>
-          </a:p>
-          <a:p>
-            <a:r>
-              <a:rPr lang="en-US" dirty="0" smtClean="0"/>
-              <a:t>Date        Square-Foot     </a:t>
+              <a:rPr lang="en-US" smtClean="0"/>
+              <a:t>Date        </a:t>
+            </a:r>
+            <a:r>
+              <a:rPr lang="en-US" dirty="0" smtClean="0"/>
+              <a:t>Square-Foot     </a:t>
             </a:r>
             <a:r>
               <a:rPr lang="en-US" dirty="0"/>
@@ -7561,11 +7667,11 @@
             </a:r>
             <a:r>
               <a:rPr lang="en-US" dirty="0"/>
-              <a:t>1050       980000.0       </a:t>
-            </a:r>
-            <a:r>
-              <a:rPr lang="en-US" dirty="0" smtClean="0"/>
-              <a:t>1113973.86</a:t>
+              <a:t>1050       </a:t>
+            </a:r>
+            <a:r>
+              <a:rPr lang="en-US" dirty="0" smtClean="0"/>
+              <a:t> 980,000       1,113,973.86</a:t>
             </a:r>
           </a:p>
           <a:p>
@@ -7575,11 +7681,11 @@
             </a:r>
             <a:r>
               <a:rPr lang="en-US" dirty="0"/>
-              <a:t>1312       850000.0       </a:t>
-            </a:r>
-            <a:r>
-              <a:rPr lang="en-US" dirty="0" smtClean="0"/>
-              <a:t>619429.93</a:t>
+              <a:t>1312       </a:t>
+            </a:r>
+            <a:r>
+              <a:rPr lang="en-US" dirty="0" smtClean="0"/>
+              <a:t> 850,000          619,429.93</a:t>
             </a:r>
           </a:p>
           <a:p>
@@ -7593,7 +7699,7 @@
             </a:r>
             <a:r>
               <a:rPr lang="en-US" dirty="0" smtClean="0"/>
-              <a:t>  917500.0       1207900.75</a:t>
+              <a:t>   917,500        1,207,900.75</a:t>
             </a:r>
           </a:p>
           <a:p>
@@ -7607,7 +7713,7 @@
             </a:r>
             <a:r>
               <a:rPr lang="en-US" dirty="0" smtClean="0"/>
-              <a:t>  670000.0       602939.08</a:t>
+              <a:t>   670,000           602,939.08</a:t>
             </a:r>
           </a:p>
           <a:p>
@@ -7621,15 +7727,7 @@
             </a:r>
             <a:r>
               <a:rPr lang="en-US" dirty="0" smtClean="0"/>
-              <a:t> </a:t>
-            </a:r>
-            <a:r>
-              <a:rPr lang="en-US" dirty="0"/>
-              <a:t>9750000.0       </a:t>
-            </a:r>
-            <a:r>
-              <a:rPr lang="en-US" dirty="0" smtClean="0"/>
-              <a:t>5256578.14</a:t>
+              <a:t> 9,750,000        5,256,578.14</a:t>
             </a:r>
           </a:p>
           <a:p>
@@ -7643,7 +7741,7 @@
             </a:r>
             <a:r>
               <a:rPr lang="en-US" dirty="0" smtClean="0"/>
-              <a:t>   699000.0       951734.09</a:t>
+              <a:t>    699,000          951,734.09</a:t>
             </a:r>
           </a:p>
           <a:p>
@@ -7657,7 +7755,7 @@
             </a:r>
             <a:r>
               <a:rPr lang="en-US" dirty="0" smtClean="0"/>
-              <a:t>   385000.0       338296.01</a:t>
+              <a:t>    385,000          338,296.01</a:t>
             </a:r>
           </a:p>
           <a:p>
@@ -7667,11 +7765,11 @@
             </a:r>
             <a:r>
               <a:rPr lang="en-US" dirty="0"/>
-              <a:t>1000       775000.0       </a:t>
-            </a:r>
-            <a:r>
-              <a:rPr lang="en-US" dirty="0" smtClean="0"/>
-              <a:t>639240.18</a:t>
+              <a:t>1000     </a:t>
+            </a:r>
+            <a:r>
+              <a:rPr lang="en-US" dirty="0" smtClean="0"/>
+              <a:t>    775,000          639,240.18</a:t>
             </a:r>
           </a:p>
           <a:p>
@@ -7685,7 +7783,7 @@
             </a:r>
             <a:r>
               <a:rPr lang="en-US" dirty="0" smtClean="0"/>
-              <a:t>1050000.0       824167.77</a:t>
+              <a:t> 1,050,000          824,167.77</a:t>
             </a:r>
           </a:p>
           <a:p>
@@ -7699,7 +7797,7 @@
             </a:r>
             <a:r>
               <a:rPr lang="en-US" dirty="0" smtClean="0"/>
-              <a:t>   790000.0       625026.51</a:t>
+              <a:t>     790,000         625,026.51</a:t>
             </a:r>
           </a:p>
           <a:p>
@@ -7713,15 +7811,7 @@
             </a:r>
             <a:r>
               <a:rPr lang="en-US" dirty="0" smtClean="0"/>
-              <a:t> </a:t>
-            </a:r>
-            <a:r>
-              <a:rPr lang="en-US" dirty="0"/>
-              <a:t>1100000.0       </a:t>
-            </a:r>
-            <a:r>
-              <a:rPr lang="en-US" dirty="0" smtClean="0"/>
-              <a:t>973377.38</a:t>
+              <a:t> 1,100,000         973,377.38</a:t>
             </a:r>
           </a:p>
           <a:p>
@@ -7735,7 +7825,7 @@
             </a:r>
             <a:r>
               <a:rPr lang="en-US" dirty="0" smtClean="0"/>
-              <a:t> 755000.0       883667.87</a:t>
+              <a:t>  755,000         883,667.87</a:t>
             </a:r>
           </a:p>
           <a:p>
@@ -7749,7 +7839,7 @@
             </a:r>
             <a:r>
               <a:rPr lang="en-US" dirty="0" smtClean="0"/>
-              <a:t>1850000.0       2044310.57</a:t>
+              <a:t>1,850,000      2,044,310.57</a:t>
             </a:r>
           </a:p>
           <a:p>
@@ -7763,15 +7853,7 @@
             </a:r>
             <a:r>
               <a:rPr lang="en-US" dirty="0" smtClean="0"/>
-              <a:t> </a:t>
-            </a:r>
-            <a:r>
-              <a:rPr lang="en-US" dirty="0"/>
-              <a:t>1475000.0       </a:t>
-            </a:r>
-            <a:r>
-              <a:rPr lang="en-US" dirty="0" smtClean="0"/>
-              <a:t>1382372.23</a:t>
+              <a:t> 1,475,000      1,382,372.23</a:t>
             </a:r>
           </a:p>
           <a:p>
@@ -7785,7 +7867,7 @@
             </a:r>
             <a:r>
               <a:rPr lang="en-US" dirty="0" smtClean="0"/>
-              <a:t>   760000.0       820469.61</a:t>
+              <a:t>     760,000        820,469.61</a:t>
             </a:r>
           </a:p>
           <a:p>
@@ -7799,57 +7881,72 @@
             </a:r>
             <a:r>
               <a:rPr lang="en-US" dirty="0" smtClean="0"/>
-              <a:t>    </a:t>
+              <a:t>      595,000        530,407.16</a:t>
+            </a:r>
+          </a:p>
+          <a:p>
+            <a:r>
+              <a:rPr lang="en-US" dirty="0" smtClean="0"/>
+              <a:t>2016-08-19       </a:t>
             </a:r>
             <a:r>
               <a:rPr lang="en-US" dirty="0"/>
-              <a:t>595000.0       </a:t>
-            </a:r>
-            <a:r>
-              <a:rPr lang="en-US" dirty="0" smtClean="0"/>
-              <a:t>530407.16</a:t>
-            </a:r>
-          </a:p>
-          <a:p>
-            <a:r>
-              <a:rPr lang="en-US" dirty="0" smtClean="0"/>
-              <a:t>2016-08-19       </a:t>
+              <a:t>1300       </a:t>
+            </a:r>
+            <a:r>
+              <a:rPr lang="en-US" dirty="0" smtClean="0"/>
+              <a:t>   925,000        716,916.79</a:t>
+            </a:r>
+          </a:p>
+        </p:txBody>
+      </p:sp>
+      <p:sp>
+        <p:nvSpPr>
+          <p:cNvPr id="12" name="TextBox 11"/>
+          <p:cNvSpPr txBox="1"/>
+          <p:nvPr/>
+        </p:nvSpPr>
+        <p:spPr>
+          <a:xfrm>
+            <a:off x="6502400" y="5845988"/>
+            <a:ext cx="2959100" cy="646331"/>
+          </a:xfrm>
+          <a:prstGeom prst="rect">
+            <a:avLst/>
+          </a:prstGeom>
+          <a:noFill/>
+        </p:spPr>
+        <p:txBody>
+          <a:bodyPr wrap="square" rtlCol="0">
+            <a:spAutoFit/>
+          </a:bodyPr>
+          <a:lstStyle/>
+          <a:p>
+            <a:r>
+              <a:rPr lang="en-US" dirty="0" smtClean="0"/>
+              <a:t>Train </a:t>
             </a:r>
             <a:r>
               <a:rPr lang="en-US" dirty="0"/>
-              <a:t>1300       925000.0       </a:t>
-            </a:r>
-            <a:r>
-              <a:rPr lang="en-US" dirty="0" smtClean="0"/>
-              <a:t>716916.79</a:t>
-            </a:r>
-          </a:p>
-          <a:p>
-            <a:r>
-              <a:rPr lang="en-US" dirty="0" smtClean="0"/>
-              <a:t>2016-08-19       </a:t>
+              <a:t>Variance score: </a:t>
+            </a:r>
+            <a:r>
+              <a:rPr lang="en-US" dirty="0" smtClean="0"/>
+              <a:t>0.87</a:t>
+            </a:r>
+          </a:p>
+          <a:p>
+            <a:r>
+              <a:rPr lang="en-US" dirty="0" smtClean="0"/>
+              <a:t>Test </a:t>
             </a:r>
             <a:r>
               <a:rPr lang="en-US" dirty="0"/>
-              <a:t>1200       765000.0       </a:t>
-            </a:r>
-            <a:r>
-              <a:rPr lang="en-US" dirty="0" smtClean="0"/>
-              <a:t>645015.74</a:t>
-            </a:r>
-          </a:p>
-          <a:p>
-            <a:r>
-              <a:rPr lang="en-US" dirty="0" smtClean="0"/>
-              <a:t>2016-08-19       </a:t>
-            </a:r>
-            <a:r>
-              <a:rPr lang="en-US" dirty="0"/>
-              <a:t>650       </a:t>
-            </a:r>
-            <a:r>
-              <a:rPr lang="en-US" dirty="0" smtClean="0"/>
-              <a:t>  779000.0       988819.88</a:t>
+              <a:t>Variance score: </a:t>
+            </a:r>
+            <a:r>
+              <a:rPr lang="en-US" dirty="0" smtClean="0"/>
+              <a:t>  0.87</a:t>
             </a:r>
             <a:endParaRPr lang="en-US" dirty="0"/>
           </a:p>
@@ -8661,12 +8758,14 @@
         </p:nvSpPr>
         <p:spPr>
           <a:xfrm>
-            <a:off x="0" y="1358900"/>
-            <a:ext cx="12191999" cy="2806700"/>
+            <a:off x="0" y="1371600"/>
+            <a:ext cx="12191999" cy="3213100"/>
           </a:xfrm>
         </p:spPr>
         <p:txBody>
-          <a:bodyPr/>
+          <a:bodyPr>
+            <a:normAutofit/>
+          </a:bodyPr>
           <a:lstStyle/>
           <a:p>
             <a:r>
@@ -8749,7 +8848,35 @@
             </a:r>
             <a:r>
               <a:rPr lang="en-US" dirty="0"/>
-              <a:t>Forest Test R2: 0.900919571981Gradient Boost Test MSE: 0.00806594315088Gradient Boost Test R2: 0.90601555473</a:t>
+              <a:t>Forest Test R2: </a:t>
+            </a:r>
+            <a:r>
+              <a:rPr lang="en-US" dirty="0" smtClean="0"/>
+              <a:t>0.900919571981</a:t>
+            </a:r>
+          </a:p>
+          <a:p>
+            <a:r>
+              <a:rPr lang="en-US" dirty="0" smtClean="0"/>
+              <a:t>Gradient </a:t>
+            </a:r>
+            <a:r>
+              <a:rPr lang="en-US" dirty="0"/>
+              <a:t>Boost Test MSE: </a:t>
+            </a:r>
+            <a:r>
+              <a:rPr lang="en-US" dirty="0" smtClean="0"/>
+              <a:t>0.00806594315088</a:t>
+            </a:r>
+          </a:p>
+          <a:p>
+            <a:r>
+              <a:rPr lang="en-US" dirty="0" smtClean="0"/>
+              <a:t>Gradient </a:t>
+            </a:r>
+            <a:r>
+              <a:rPr lang="en-US" dirty="0"/>
+              <a:t>Boost Test R2: 0.90601555473</a:t>
             </a:r>
           </a:p>
         </p:txBody>
@@ -9363,383 +9490,679 @@
         </p:nvSpPr>
         <p:spPr>
           <a:xfrm>
-            <a:off x="685801" y="698501"/>
-            <a:ext cx="5003799" cy="6159499"/>
+            <a:off x="292101" y="1143000"/>
+            <a:ext cx="5003799" cy="5715000"/>
           </a:xfrm>
         </p:spPr>
         <p:txBody>
           <a:bodyPr>
-            <a:normAutofit fontScale="62500" lnSpcReduction="20000"/>
+            <a:noAutofit/>
           </a:bodyPr>
           <a:lstStyle/>
           <a:p>
             <a:r>
-              <a:rPr lang="mr-IN" dirty="0" err="1"/>
+              <a:rPr lang="mr-IN" sz="1200" dirty="0" err="1">
+                <a:latin typeface="Mangal" charset="0"/>
+                <a:ea typeface="Mangal" charset="0"/>
+                <a:cs typeface="Mangal" charset="0"/>
+              </a:rPr>
               <a:t>Date</a:t>
             </a:r>
             <a:r>
-              <a:rPr lang="mr-IN" dirty="0"/>
+              <a:rPr lang="mr-IN" sz="1200" dirty="0">
+                <a:latin typeface="Mangal" charset="0"/>
+                <a:ea typeface="Mangal" charset="0"/>
+                <a:cs typeface="Mangal" charset="0"/>
+              </a:rPr>
               <a:t>        </a:t>
             </a:r>
             <a:r>
-              <a:rPr lang="mr-IN" dirty="0" err="1"/>
+              <a:rPr lang="mr-IN" sz="1200" dirty="0" err="1">
+                <a:latin typeface="Mangal" charset="0"/>
+                <a:ea typeface="Mangal" charset="0"/>
+                <a:cs typeface="Mangal" charset="0"/>
+              </a:rPr>
               <a:t>Square-Foot</a:t>
             </a:r>
             <a:r>
-              <a:rPr lang="mr-IN" dirty="0"/>
+              <a:rPr lang="mr-IN" sz="1200" dirty="0">
+                <a:latin typeface="Mangal" charset="0"/>
+                <a:ea typeface="Mangal" charset="0"/>
+                <a:cs typeface="Mangal" charset="0"/>
+              </a:rPr>
               <a:t>     </a:t>
             </a:r>
             <a:r>
-              <a:rPr lang="mr-IN" dirty="0" err="1"/>
+              <a:rPr lang="mr-IN" sz="1200" dirty="0" err="1">
+                <a:latin typeface="Mangal" charset="0"/>
+                <a:ea typeface="Mangal" charset="0"/>
+                <a:cs typeface="Mangal" charset="0"/>
+              </a:rPr>
               <a:t>Sale-price</a:t>
             </a:r>
             <a:r>
-              <a:rPr lang="mr-IN" dirty="0"/>
+              <a:rPr lang="mr-IN" sz="1200" dirty="0">
+                <a:latin typeface="Mangal" charset="0"/>
+                <a:ea typeface="Mangal" charset="0"/>
+                <a:cs typeface="Mangal" charset="0"/>
+              </a:rPr>
               <a:t>    </a:t>
             </a:r>
             <a:r>
-              <a:rPr lang="mr-IN" dirty="0" err="1"/>
+              <a:rPr lang="mr-IN" sz="1200" dirty="0" err="1">
+                <a:latin typeface="Mangal" charset="0"/>
+                <a:ea typeface="Mangal" charset="0"/>
+                <a:cs typeface="Mangal" charset="0"/>
+              </a:rPr>
               <a:t>Predicted</a:t>
             </a:r>
             <a:r>
-              <a:rPr lang="mr-IN" dirty="0"/>
+              <a:rPr lang="mr-IN" sz="1200" dirty="0">
+                <a:latin typeface="Mangal" charset="0"/>
+                <a:ea typeface="Mangal" charset="0"/>
+                <a:cs typeface="Mangal" charset="0"/>
+              </a:rPr>
               <a:t> </a:t>
             </a:r>
             <a:r>
-              <a:rPr lang="mr-IN" dirty="0" err="1" smtClean="0"/>
+              <a:rPr lang="mr-IN" sz="1200" dirty="0" err="1" smtClean="0">
+                <a:latin typeface="Mangal" charset="0"/>
+                <a:ea typeface="Mangal" charset="0"/>
+                <a:cs typeface="Mangal" charset="0"/>
+              </a:rPr>
               <a:t>price</a:t>
             </a:r>
-            <a:endParaRPr lang="en-US" dirty="0" smtClean="0"/>
-          </a:p>
-          <a:p>
-            <a:r>
-              <a:rPr lang="mr-IN" dirty="0" smtClean="0"/>
+            <a:endParaRPr lang="en-US" sz="1200" dirty="0" smtClean="0">
+              <a:latin typeface="Mangal" charset="0"/>
+              <a:ea typeface="Mangal" charset="0"/>
+              <a:cs typeface="Mangal" charset="0"/>
+            </a:endParaRPr>
+          </a:p>
+          <a:p>
+            <a:r>
+              <a:rPr lang="mr-IN" sz="1200" dirty="0" smtClean="0"/>
               <a:t>2016-08-16       </a:t>
             </a:r>
             <a:r>
-              <a:rPr lang="mr-IN" dirty="0"/>
-              <a:t>1050       980000.0       </a:t>
-            </a:r>
-            <a:r>
-              <a:rPr lang="mr-IN" dirty="0" smtClean="0"/>
-              <a:t>1167352.68</a:t>
-            </a:r>
-            <a:endParaRPr lang="en-US" dirty="0" smtClean="0"/>
-          </a:p>
-          <a:p>
-            <a:r>
-              <a:rPr lang="mr-IN" dirty="0" smtClean="0"/>
+              <a:rPr lang="mr-IN" sz="1200" dirty="0"/>
+              <a:t>1050       </a:t>
+            </a:r>
+            <a:r>
+              <a:rPr lang="mr-IN" sz="1200" dirty="0" smtClean="0"/>
+              <a:t>980</a:t>
+            </a:r>
+            <a:r>
+              <a:rPr lang="en-US" sz="1200" dirty="0" smtClean="0"/>
+              <a:t>,</a:t>
+            </a:r>
+            <a:r>
+              <a:rPr lang="mr-IN" sz="1200" dirty="0" smtClean="0"/>
+              <a:t>000      1</a:t>
+            </a:r>
+            <a:r>
+              <a:rPr lang="en-US" sz="1200" dirty="0" smtClean="0"/>
+              <a:t>,</a:t>
+            </a:r>
+            <a:r>
+              <a:rPr lang="mr-IN" sz="1200" dirty="0" smtClean="0"/>
+              <a:t>167</a:t>
+            </a:r>
+            <a:r>
+              <a:rPr lang="en-US" sz="1200" dirty="0" smtClean="0"/>
+              <a:t>,</a:t>
+            </a:r>
+            <a:r>
+              <a:rPr lang="mr-IN" sz="1200" dirty="0" smtClean="0"/>
+              <a:t>352.68</a:t>
+            </a:r>
+            <a:endParaRPr lang="en-US" sz="1200" dirty="0" smtClean="0"/>
+          </a:p>
+          <a:p>
+            <a:r>
+              <a:rPr lang="mr-IN" sz="1200" dirty="0" smtClean="0"/>
               <a:t>2016-08-16       </a:t>
             </a:r>
             <a:r>
-              <a:rPr lang="mr-IN" dirty="0"/>
-              <a:t>1312       850000.0       </a:t>
-            </a:r>
-            <a:r>
-              <a:rPr lang="mr-IN" dirty="0" smtClean="0"/>
-              <a:t>763698.09</a:t>
-            </a:r>
-            <a:endParaRPr lang="en-US" dirty="0" smtClean="0"/>
-          </a:p>
-          <a:p>
-            <a:r>
-              <a:rPr lang="mr-IN" dirty="0" smtClean="0"/>
+              <a:rPr lang="mr-IN" sz="1200" dirty="0"/>
+              <a:t>1312       </a:t>
+            </a:r>
+            <a:r>
+              <a:rPr lang="mr-IN" sz="1200" dirty="0" smtClean="0"/>
+              <a:t>850</a:t>
+            </a:r>
+            <a:r>
+              <a:rPr lang="en-US" sz="1200" dirty="0" smtClean="0"/>
+              <a:t>,</a:t>
+            </a:r>
+            <a:r>
+              <a:rPr lang="mr-IN" sz="1200" dirty="0" smtClean="0"/>
+              <a:t>000      </a:t>
+            </a:r>
+            <a:r>
+              <a:rPr lang="en-US" sz="1200" dirty="0" smtClean="0"/>
+              <a:t> </a:t>
+            </a:r>
+            <a:r>
+              <a:rPr lang="mr-IN" sz="1200" dirty="0" smtClean="0"/>
+              <a:t> 763</a:t>
+            </a:r>
+            <a:r>
+              <a:rPr lang="en-US" sz="1200" dirty="0" smtClean="0"/>
+              <a:t>,</a:t>
+            </a:r>
+            <a:r>
+              <a:rPr lang="mr-IN" sz="1200" dirty="0" smtClean="0"/>
+              <a:t>698.09</a:t>
+            </a:r>
+            <a:endParaRPr lang="en-US" sz="1200" dirty="0" smtClean="0"/>
+          </a:p>
+          <a:p>
+            <a:r>
+              <a:rPr lang="mr-IN" sz="1200" dirty="0" smtClean="0"/>
               <a:t>2016-08-16       </a:t>
             </a:r>
             <a:r>
-              <a:rPr lang="mr-IN" dirty="0"/>
-              <a:t>700       917500.0       </a:t>
-            </a:r>
-            <a:r>
-              <a:rPr lang="mr-IN" dirty="0" smtClean="0"/>
-              <a:t>885745.47</a:t>
-            </a:r>
-            <a:endParaRPr lang="en-US" dirty="0" smtClean="0"/>
-          </a:p>
-          <a:p>
-            <a:r>
-              <a:rPr lang="mr-IN" dirty="0" smtClean="0"/>
+              <a:rPr lang="mr-IN" sz="1200" dirty="0"/>
+              <a:t>700       </a:t>
+            </a:r>
+            <a:r>
+              <a:rPr lang="en-US" sz="1200" dirty="0" smtClean="0"/>
+              <a:t>  </a:t>
+            </a:r>
+            <a:r>
+              <a:rPr lang="mr-IN" sz="1200" dirty="0" smtClean="0"/>
+              <a:t>917</a:t>
+            </a:r>
+            <a:r>
+              <a:rPr lang="en-US" sz="1200" dirty="0" smtClean="0"/>
+              <a:t>,</a:t>
+            </a:r>
+            <a:r>
+              <a:rPr lang="mr-IN" sz="1200" dirty="0" smtClean="0"/>
+              <a:t>500      </a:t>
+            </a:r>
+            <a:r>
+              <a:rPr lang="en-US" sz="1200" dirty="0" smtClean="0"/>
+              <a:t> </a:t>
+            </a:r>
+            <a:r>
+              <a:rPr lang="mr-IN" sz="1200" dirty="0" smtClean="0"/>
+              <a:t> 885</a:t>
+            </a:r>
+            <a:r>
+              <a:rPr lang="en-US" sz="1200" dirty="0" smtClean="0"/>
+              <a:t>,</a:t>
+            </a:r>
+            <a:r>
+              <a:rPr lang="mr-IN" sz="1200" dirty="0" smtClean="0"/>
+              <a:t>745.47</a:t>
+            </a:r>
+            <a:endParaRPr lang="en-US" sz="1200" dirty="0" smtClean="0"/>
+          </a:p>
+          <a:p>
+            <a:r>
+              <a:rPr lang="mr-IN" sz="1200" dirty="0" smtClean="0"/>
               <a:t>2016-08-16       </a:t>
             </a:r>
             <a:r>
-              <a:rPr lang="mr-IN" dirty="0"/>
-              <a:t>760       670000.0       </a:t>
-            </a:r>
-            <a:r>
-              <a:rPr lang="mr-IN" dirty="0" smtClean="0"/>
-              <a:t>634854.98</a:t>
-            </a:r>
-            <a:endParaRPr lang="en-US" dirty="0" smtClean="0"/>
-          </a:p>
-          <a:p>
-            <a:r>
-              <a:rPr lang="mr-IN" dirty="0" smtClean="0"/>
+              <a:rPr lang="mr-IN" sz="1200" dirty="0"/>
+              <a:t>760       </a:t>
+            </a:r>
+            <a:r>
+              <a:rPr lang="en-US" sz="1200" dirty="0" smtClean="0"/>
+              <a:t>  </a:t>
+            </a:r>
+            <a:r>
+              <a:rPr lang="mr-IN" sz="1200" dirty="0" smtClean="0"/>
+              <a:t>670</a:t>
+            </a:r>
+            <a:r>
+              <a:rPr lang="en-US" sz="1200" dirty="0" smtClean="0"/>
+              <a:t>,</a:t>
+            </a:r>
+            <a:r>
+              <a:rPr lang="mr-IN" sz="1200" dirty="0" smtClean="0"/>
+              <a:t>000       </a:t>
+            </a:r>
+            <a:r>
+              <a:rPr lang="en-US" sz="1200" dirty="0" smtClean="0"/>
+              <a:t> </a:t>
+            </a:r>
+            <a:r>
+              <a:rPr lang="mr-IN" sz="1200" dirty="0" smtClean="0"/>
+              <a:t>634</a:t>
+            </a:r>
+            <a:r>
+              <a:rPr lang="en-US" sz="1200" dirty="0" smtClean="0"/>
+              <a:t>,</a:t>
+            </a:r>
+            <a:r>
+              <a:rPr lang="mr-IN" sz="1200" dirty="0" smtClean="0"/>
+              <a:t>854.98</a:t>
+            </a:r>
+            <a:endParaRPr lang="en-US" sz="1200" dirty="0" smtClean="0"/>
+          </a:p>
+          <a:p>
+            <a:r>
+              <a:rPr lang="mr-IN" sz="1200" dirty="0" smtClean="0"/>
               <a:t>2016-08-16       </a:t>
             </a:r>
             <a:r>
-              <a:rPr lang="mr-IN" dirty="0"/>
-              <a:t>4617       9750000.0       </a:t>
-            </a:r>
-            <a:r>
-              <a:rPr lang="mr-IN" dirty="0" smtClean="0"/>
-              <a:t>5233383.73</a:t>
-            </a:r>
-            <a:endParaRPr lang="en-US" dirty="0" smtClean="0"/>
-          </a:p>
-          <a:p>
-            <a:r>
-              <a:rPr lang="mr-IN" dirty="0" smtClean="0"/>
+              <a:rPr lang="mr-IN" sz="1200" dirty="0"/>
+              <a:t>4617     </a:t>
+            </a:r>
+            <a:r>
+              <a:rPr lang="en-US" sz="1200" dirty="0" smtClean="0"/>
+              <a:t> </a:t>
+            </a:r>
+            <a:r>
+              <a:rPr lang="mr-IN" sz="1200" dirty="0" smtClean="0"/>
+              <a:t>9</a:t>
+            </a:r>
+            <a:r>
+              <a:rPr lang="en-US" sz="1200" dirty="0" smtClean="0"/>
+              <a:t>,</a:t>
+            </a:r>
+            <a:r>
+              <a:rPr lang="mr-IN" sz="1200" dirty="0" smtClean="0"/>
+              <a:t>750</a:t>
+            </a:r>
+            <a:r>
+              <a:rPr lang="en-US" sz="1200" dirty="0"/>
+              <a:t>,</a:t>
+            </a:r>
+            <a:r>
+              <a:rPr lang="mr-IN" sz="1200" dirty="0" smtClean="0"/>
+              <a:t>000     5</a:t>
+            </a:r>
+            <a:r>
+              <a:rPr lang="en-US" sz="1200" dirty="0" smtClean="0"/>
+              <a:t>,</a:t>
+            </a:r>
+            <a:r>
+              <a:rPr lang="mr-IN" sz="1200" dirty="0" smtClean="0"/>
+              <a:t>233</a:t>
+            </a:r>
+            <a:r>
+              <a:rPr lang="en-US" sz="1200" dirty="0" smtClean="0"/>
+              <a:t>,</a:t>
+            </a:r>
+            <a:r>
+              <a:rPr lang="mr-IN" sz="1200" dirty="0" smtClean="0"/>
+              <a:t>383.73</a:t>
+            </a:r>
+            <a:endParaRPr lang="en-US" sz="1200" dirty="0" smtClean="0"/>
+          </a:p>
+          <a:p>
+            <a:r>
+              <a:rPr lang="mr-IN" sz="1200" dirty="0" smtClean="0"/>
               <a:t>2016-08-17       </a:t>
             </a:r>
             <a:r>
-              <a:rPr lang="mr-IN" dirty="0"/>
-              <a:t>550       699000.0       </a:t>
-            </a:r>
-            <a:r>
-              <a:rPr lang="mr-IN" dirty="0" smtClean="0"/>
-              <a:t>800931.58</a:t>
-            </a:r>
-            <a:endParaRPr lang="en-US" dirty="0" smtClean="0"/>
-          </a:p>
-          <a:p>
-            <a:r>
-              <a:rPr lang="mr-IN" dirty="0" smtClean="0"/>
+              <a:rPr lang="mr-IN" sz="1200" dirty="0"/>
+              <a:t>550       </a:t>
+            </a:r>
+            <a:r>
+              <a:rPr lang="en-US" sz="1200" dirty="0" smtClean="0"/>
+              <a:t>  </a:t>
+            </a:r>
+            <a:r>
+              <a:rPr lang="mr-IN" sz="1200" dirty="0" smtClean="0"/>
+              <a:t>699</a:t>
+            </a:r>
+            <a:r>
+              <a:rPr lang="en-US" sz="1200" dirty="0" smtClean="0"/>
+              <a:t>,</a:t>
+            </a:r>
+            <a:r>
+              <a:rPr lang="mr-IN" sz="1200" dirty="0" smtClean="0"/>
+              <a:t>000       800</a:t>
+            </a:r>
+            <a:r>
+              <a:rPr lang="en-US" sz="1200" dirty="0" smtClean="0"/>
+              <a:t>,</a:t>
+            </a:r>
+            <a:r>
+              <a:rPr lang="mr-IN" sz="1200" dirty="0" smtClean="0"/>
+              <a:t>931.58</a:t>
+            </a:r>
+            <a:endParaRPr lang="en-US" sz="1200" dirty="0" smtClean="0"/>
+          </a:p>
+          <a:p>
+            <a:r>
+              <a:rPr lang="mr-IN" sz="1200" dirty="0" smtClean="0"/>
               <a:t>2016-08-17       </a:t>
             </a:r>
             <a:r>
-              <a:rPr lang="mr-IN" dirty="0"/>
-              <a:t>527       385000.0       </a:t>
-            </a:r>
-            <a:r>
-              <a:rPr lang="mr-IN" dirty="0" smtClean="0"/>
-              <a:t>326196.34</a:t>
-            </a:r>
-            <a:endParaRPr lang="en-US" dirty="0" smtClean="0"/>
-          </a:p>
-          <a:p>
-            <a:r>
-              <a:rPr lang="mr-IN" dirty="0" smtClean="0"/>
+              <a:rPr lang="mr-IN" sz="1200" dirty="0"/>
+              <a:t>527       </a:t>
+            </a:r>
+            <a:r>
+              <a:rPr lang="en-US" sz="1200" dirty="0" smtClean="0"/>
+              <a:t>  </a:t>
+            </a:r>
+            <a:r>
+              <a:rPr lang="mr-IN" sz="1200" dirty="0" smtClean="0"/>
+              <a:t>385</a:t>
+            </a:r>
+            <a:r>
+              <a:rPr lang="en-US" sz="1200" dirty="0" smtClean="0"/>
+              <a:t>,</a:t>
+            </a:r>
+            <a:r>
+              <a:rPr lang="mr-IN" sz="1200" dirty="0" smtClean="0"/>
+              <a:t>000       326</a:t>
+            </a:r>
+            <a:r>
+              <a:rPr lang="en-US" sz="1200" dirty="0" smtClean="0"/>
+              <a:t>,</a:t>
+            </a:r>
+            <a:r>
+              <a:rPr lang="mr-IN" sz="1200" dirty="0" smtClean="0"/>
+              <a:t>196.34</a:t>
+            </a:r>
+            <a:endParaRPr lang="en-US" sz="1200" dirty="0" smtClean="0"/>
+          </a:p>
+          <a:p>
+            <a:r>
+              <a:rPr lang="mr-IN" sz="1200" dirty="0" smtClean="0"/>
               <a:t>2016-08-17       </a:t>
             </a:r>
             <a:r>
-              <a:rPr lang="mr-IN" dirty="0"/>
-              <a:t>1000       775000.0       </a:t>
-            </a:r>
-            <a:r>
-              <a:rPr lang="mr-IN" dirty="0" smtClean="0"/>
-              <a:t>691178.71</a:t>
-            </a:r>
-            <a:endParaRPr lang="en-US" dirty="0" smtClean="0"/>
-          </a:p>
-          <a:p>
-            <a:r>
-              <a:rPr lang="mr-IN" dirty="0" smtClean="0"/>
+              <a:rPr lang="mr-IN" sz="1200" dirty="0"/>
+              <a:t>1000       </a:t>
+            </a:r>
+            <a:r>
+              <a:rPr lang="mr-IN" sz="1200" dirty="0" smtClean="0"/>
+              <a:t>775</a:t>
+            </a:r>
+            <a:r>
+              <a:rPr lang="en-US" sz="1200" dirty="0" smtClean="0"/>
+              <a:t>,</a:t>
+            </a:r>
+            <a:r>
+              <a:rPr lang="mr-IN" sz="1200" dirty="0" smtClean="0"/>
+              <a:t>000       691</a:t>
+            </a:r>
+            <a:r>
+              <a:rPr lang="en-US" sz="1200" dirty="0" smtClean="0"/>
+              <a:t>,</a:t>
+            </a:r>
+            <a:r>
+              <a:rPr lang="mr-IN" sz="1200" dirty="0" smtClean="0"/>
+              <a:t>178.71</a:t>
+            </a:r>
+            <a:endParaRPr lang="en-US" sz="1200" dirty="0" smtClean="0"/>
+          </a:p>
+          <a:p>
+            <a:r>
+              <a:rPr lang="mr-IN" sz="1200" dirty="0" smtClean="0"/>
               <a:t>2016-08-17       </a:t>
             </a:r>
             <a:r>
-              <a:rPr lang="mr-IN" dirty="0"/>
-              <a:t>1210       1050000.0       </a:t>
-            </a:r>
-            <a:r>
-              <a:rPr lang="mr-IN" dirty="0" smtClean="0"/>
-              <a:t>950538.13</a:t>
-            </a:r>
-            <a:endParaRPr lang="en-US" dirty="0" smtClean="0"/>
-          </a:p>
-          <a:p>
-            <a:r>
-              <a:rPr lang="mr-IN" dirty="0" smtClean="0"/>
+              <a:rPr lang="mr-IN" sz="1200" dirty="0"/>
+              <a:t>1210    </a:t>
+            </a:r>
+            <a:r>
+              <a:rPr lang="mr-IN" sz="1200" dirty="0" smtClean="0"/>
+              <a:t> 1</a:t>
+            </a:r>
+            <a:r>
+              <a:rPr lang="en-US" sz="1200" dirty="0" smtClean="0"/>
+              <a:t>,</a:t>
+            </a:r>
+            <a:r>
+              <a:rPr lang="mr-IN" sz="1200" dirty="0" smtClean="0"/>
+              <a:t>050</a:t>
+            </a:r>
+            <a:r>
+              <a:rPr lang="en-US" sz="1200" dirty="0" smtClean="0"/>
+              <a:t>,</a:t>
+            </a:r>
+            <a:r>
+              <a:rPr lang="mr-IN" sz="1200" dirty="0" smtClean="0"/>
+              <a:t>000       950</a:t>
+            </a:r>
+            <a:r>
+              <a:rPr lang="en-US" sz="1200" dirty="0" smtClean="0"/>
+              <a:t>,</a:t>
+            </a:r>
+            <a:r>
+              <a:rPr lang="mr-IN" sz="1200" dirty="0" smtClean="0"/>
+              <a:t>538.13</a:t>
+            </a:r>
+            <a:endParaRPr lang="en-US" sz="1200" dirty="0" smtClean="0"/>
+          </a:p>
+          <a:p>
+            <a:r>
+              <a:rPr lang="mr-IN" sz="1200" dirty="0" smtClean="0"/>
               <a:t>2016-08-17       </a:t>
             </a:r>
             <a:r>
-              <a:rPr lang="mr-IN" dirty="0"/>
-              <a:t>975       790000.0       </a:t>
-            </a:r>
-            <a:r>
-              <a:rPr lang="mr-IN" dirty="0" smtClean="0"/>
-              <a:t>704674.36</a:t>
-            </a:r>
-            <a:endParaRPr lang="en-US" dirty="0" smtClean="0"/>
-          </a:p>
-          <a:p>
-            <a:r>
-              <a:rPr lang="mr-IN" dirty="0" smtClean="0"/>
+              <a:rPr lang="mr-IN" sz="1200" dirty="0"/>
+              <a:t>975       </a:t>
+            </a:r>
+            <a:r>
+              <a:rPr lang="en-US" sz="1200" dirty="0" smtClean="0"/>
+              <a:t>   </a:t>
+            </a:r>
+            <a:r>
+              <a:rPr lang="mr-IN" sz="1200" dirty="0" smtClean="0"/>
+              <a:t>790</a:t>
+            </a:r>
+            <a:r>
+              <a:rPr lang="en-US" sz="1200" dirty="0" smtClean="0"/>
+              <a:t>,</a:t>
+            </a:r>
+            <a:r>
+              <a:rPr lang="mr-IN" sz="1200" dirty="0" smtClean="0"/>
+              <a:t>000      </a:t>
+            </a:r>
+            <a:r>
+              <a:rPr lang="en-US" sz="1200" dirty="0" smtClean="0"/>
+              <a:t> </a:t>
+            </a:r>
+            <a:r>
+              <a:rPr lang="mr-IN" sz="1200" dirty="0" smtClean="0"/>
+              <a:t>704</a:t>
+            </a:r>
+            <a:r>
+              <a:rPr lang="en-US" sz="1200" dirty="0" smtClean="0"/>
+              <a:t>,</a:t>
+            </a:r>
+            <a:r>
+              <a:rPr lang="mr-IN" sz="1200" dirty="0" smtClean="0"/>
+              <a:t>674.36</a:t>
+            </a:r>
+            <a:endParaRPr lang="en-US" sz="1200" dirty="0" smtClean="0"/>
+          </a:p>
+          <a:p>
+            <a:r>
+              <a:rPr lang="mr-IN" sz="1200" dirty="0" smtClean="0"/>
               <a:t>2016-08-17       </a:t>
             </a:r>
             <a:r>
-              <a:rPr lang="mr-IN" dirty="0"/>
-              <a:t>1140       1100000.0       </a:t>
-            </a:r>
-            <a:r>
-              <a:rPr lang="mr-IN" dirty="0" smtClean="0"/>
-              <a:t>1256932.34</a:t>
-            </a:r>
-            <a:endParaRPr lang="en-US" dirty="0" smtClean="0"/>
-          </a:p>
-          <a:p>
-            <a:r>
-              <a:rPr lang="mr-IN" dirty="0" smtClean="0"/>
+              <a:rPr lang="mr-IN" sz="1200" dirty="0"/>
+              <a:t>1140     </a:t>
+            </a:r>
+            <a:r>
+              <a:rPr lang="mr-IN" sz="1200" dirty="0" smtClean="0"/>
+              <a:t>1</a:t>
+            </a:r>
+            <a:r>
+              <a:rPr lang="en-US" sz="1200" dirty="0" smtClean="0"/>
+              <a:t>,</a:t>
+            </a:r>
+            <a:r>
+              <a:rPr lang="mr-IN" sz="1200" dirty="0" smtClean="0"/>
+              <a:t>100</a:t>
+            </a:r>
+            <a:r>
+              <a:rPr lang="en-US" sz="1200" dirty="0" smtClean="0"/>
+              <a:t>,</a:t>
+            </a:r>
+            <a:r>
+              <a:rPr lang="mr-IN" sz="1200" dirty="0" smtClean="0"/>
+              <a:t>000     </a:t>
+            </a:r>
+            <a:r>
+              <a:rPr lang="en-US" sz="1200" dirty="0" smtClean="0"/>
+              <a:t> </a:t>
+            </a:r>
+            <a:r>
+              <a:rPr lang="mr-IN" sz="1200" dirty="0" smtClean="0"/>
+              <a:t>1</a:t>
+            </a:r>
+            <a:r>
+              <a:rPr lang="en-US" sz="1200" dirty="0" smtClean="0"/>
+              <a:t>,</a:t>
+            </a:r>
+            <a:r>
+              <a:rPr lang="mr-IN" sz="1200" dirty="0" smtClean="0"/>
+              <a:t>256</a:t>
+            </a:r>
+            <a:r>
+              <a:rPr lang="en-US" sz="1200" dirty="0" smtClean="0"/>
+              <a:t>,</a:t>
+            </a:r>
+            <a:r>
+              <a:rPr lang="mr-IN" sz="1200" dirty="0" smtClean="0"/>
+              <a:t>932.34</a:t>
+            </a:r>
+            <a:endParaRPr lang="en-US" sz="1200" dirty="0" smtClean="0"/>
+          </a:p>
+          <a:p>
+            <a:r>
+              <a:rPr lang="mr-IN" sz="1200" dirty="0" smtClean="0"/>
               <a:t>2016-08-18       </a:t>
             </a:r>
             <a:r>
-              <a:rPr lang="mr-IN" dirty="0"/>
-              <a:t>1290       755000.0       </a:t>
-            </a:r>
-            <a:r>
-              <a:rPr lang="mr-IN" dirty="0" smtClean="0"/>
-              <a:t>781256.91</a:t>
-            </a:r>
-            <a:endParaRPr lang="en-US" dirty="0" smtClean="0"/>
-          </a:p>
-          <a:p>
-            <a:r>
-              <a:rPr lang="mr-IN" dirty="0" smtClean="0"/>
+              <a:rPr lang="mr-IN" sz="1200" dirty="0"/>
+              <a:t>1290       </a:t>
+            </a:r>
+            <a:r>
+              <a:rPr lang="mr-IN" sz="1200" dirty="0" smtClean="0"/>
+              <a:t>755</a:t>
+            </a:r>
+            <a:r>
+              <a:rPr lang="en-US" sz="1200" dirty="0" smtClean="0"/>
+              <a:t>,</a:t>
+            </a:r>
+            <a:r>
+              <a:rPr lang="mr-IN" sz="1200" dirty="0" smtClean="0"/>
+              <a:t>000       781</a:t>
+            </a:r>
+            <a:r>
+              <a:rPr lang="en-US" sz="1200" dirty="0" smtClean="0"/>
+              <a:t>,</a:t>
+            </a:r>
+            <a:r>
+              <a:rPr lang="mr-IN" sz="1200" dirty="0" smtClean="0"/>
+              <a:t>256.91</a:t>
+            </a:r>
+            <a:endParaRPr lang="en-US" sz="1200" dirty="0" smtClean="0"/>
+          </a:p>
+          <a:p>
+            <a:r>
+              <a:rPr lang="mr-IN" sz="1200" dirty="0" smtClean="0"/>
               <a:t>2016-08-18       </a:t>
             </a:r>
             <a:r>
-              <a:rPr lang="mr-IN" dirty="0"/>
-              <a:t>1841       1850000.0       </a:t>
-            </a:r>
-            <a:r>
-              <a:rPr lang="mr-IN" dirty="0" smtClean="0"/>
-              <a:t>1955437.64</a:t>
-            </a:r>
-            <a:endParaRPr lang="en-US" dirty="0" smtClean="0"/>
-          </a:p>
-          <a:p>
-            <a:r>
-              <a:rPr lang="mr-IN" dirty="0" smtClean="0"/>
+              <a:rPr lang="mr-IN" sz="1200" dirty="0"/>
+              <a:t>1841     </a:t>
+            </a:r>
+            <a:r>
+              <a:rPr lang="mr-IN" sz="1200" dirty="0" smtClean="0"/>
+              <a:t>1</a:t>
+            </a:r>
+            <a:r>
+              <a:rPr lang="en-US" sz="1200" dirty="0" smtClean="0"/>
+              <a:t>,</a:t>
+            </a:r>
+            <a:r>
+              <a:rPr lang="mr-IN" sz="1200" dirty="0" smtClean="0"/>
+              <a:t>850</a:t>
+            </a:r>
+            <a:r>
+              <a:rPr lang="en-US" sz="1200" dirty="0" smtClean="0"/>
+              <a:t>,</a:t>
+            </a:r>
+            <a:r>
+              <a:rPr lang="mr-IN" sz="1200" dirty="0" smtClean="0"/>
+              <a:t>000     </a:t>
+            </a:r>
+            <a:r>
+              <a:rPr lang="en-US" sz="1200" dirty="0" smtClean="0"/>
+              <a:t> </a:t>
+            </a:r>
+            <a:r>
+              <a:rPr lang="mr-IN" sz="1200" dirty="0" smtClean="0"/>
+              <a:t>1</a:t>
+            </a:r>
+            <a:r>
+              <a:rPr lang="en-US" sz="1200" dirty="0" smtClean="0"/>
+              <a:t>,</a:t>
+            </a:r>
+            <a:r>
+              <a:rPr lang="mr-IN" sz="1200" dirty="0" smtClean="0"/>
+              <a:t>955</a:t>
+            </a:r>
+            <a:r>
+              <a:rPr lang="en-US" sz="1200" dirty="0" smtClean="0"/>
+              <a:t>,</a:t>
+            </a:r>
+            <a:r>
+              <a:rPr lang="mr-IN" sz="1200" dirty="0" smtClean="0"/>
+              <a:t>437.64</a:t>
+            </a:r>
+            <a:endParaRPr lang="en-US" sz="1200" dirty="0" smtClean="0"/>
+          </a:p>
+          <a:p>
+            <a:r>
+              <a:rPr lang="mr-IN" sz="1200" dirty="0" smtClean="0"/>
               <a:t>2016-08-18       </a:t>
             </a:r>
             <a:r>
-              <a:rPr lang="mr-IN" dirty="0"/>
-              <a:t>1350       1475000.0       </a:t>
-            </a:r>
-            <a:r>
-              <a:rPr lang="mr-IN" dirty="0" smtClean="0"/>
-              <a:t>1450500.51</a:t>
-            </a:r>
-            <a:endParaRPr lang="en-US" dirty="0" smtClean="0"/>
-          </a:p>
-          <a:p>
-            <a:r>
-              <a:rPr lang="mr-IN" dirty="0" smtClean="0"/>
-              <a:t>2016-08-18       </a:t>
-            </a:r>
-            <a:r>
-              <a:rPr lang="mr-IN" dirty="0"/>
-              <a:t>460       760000.0       </a:t>
-            </a:r>
-            <a:r>
-              <a:rPr lang="mr-IN" dirty="0" smtClean="0"/>
-              <a:t>598951.42</a:t>
-            </a:r>
-            <a:endParaRPr lang="en-US" dirty="0" smtClean="0"/>
-          </a:p>
-          <a:p>
-            <a:r>
-              <a:rPr lang="mr-IN" dirty="0" smtClean="0"/>
-              <a:t>2016-08-19       </a:t>
-            </a:r>
-            <a:r>
-              <a:rPr lang="mr-IN" dirty="0"/>
-              <a:t>825       595000.0       </a:t>
-            </a:r>
-            <a:r>
-              <a:rPr lang="mr-IN" dirty="0" smtClean="0"/>
-              <a:t>537174.79</a:t>
-            </a:r>
-            <a:endParaRPr lang="en-US" dirty="0" smtClean="0"/>
-          </a:p>
-          <a:p>
-            <a:r>
-              <a:rPr lang="mr-IN" dirty="0" smtClean="0"/>
-              <a:t>2016-08-19       </a:t>
-            </a:r>
-            <a:r>
-              <a:rPr lang="mr-IN" dirty="0"/>
-              <a:t>1300       925000.0       </a:t>
-            </a:r>
-            <a:r>
-              <a:rPr lang="mr-IN" dirty="0" smtClean="0"/>
-              <a:t>812582.63</a:t>
-            </a:r>
-            <a:endParaRPr lang="en-US" dirty="0" smtClean="0"/>
-          </a:p>
-          <a:p>
-            <a:r>
-              <a:rPr lang="mr-IN" dirty="0" smtClean="0"/>
-              <a:t>2016-08-19       </a:t>
-            </a:r>
-            <a:r>
-              <a:rPr lang="mr-IN" dirty="0"/>
-              <a:t>1200       765000.0       </a:t>
-            </a:r>
-            <a:r>
-              <a:rPr lang="mr-IN" dirty="0" smtClean="0"/>
-              <a:t>736850.25</a:t>
-            </a:r>
-            <a:endParaRPr lang="en-US" dirty="0" smtClean="0"/>
-          </a:p>
-          <a:p>
-            <a:r>
-              <a:rPr lang="mr-IN" dirty="0" smtClean="0"/>
-              <a:t>2016-08-19       </a:t>
-            </a:r>
-            <a:r>
-              <a:rPr lang="mr-IN" dirty="0"/>
-              <a:t>650       779000.0       </a:t>
-            </a:r>
-            <a:r>
-              <a:rPr lang="mr-IN" dirty="0" smtClean="0"/>
-              <a:t>742334.78</a:t>
-            </a:r>
-            <a:endParaRPr lang="en-US" dirty="0" smtClean="0"/>
-          </a:p>
-          <a:p>
-            <a:r>
-              <a:rPr lang="mr-IN" dirty="0" smtClean="0"/>
-              <a:t>2016-08-19       </a:t>
-            </a:r>
-            <a:r>
-              <a:rPr lang="mr-IN" dirty="0"/>
-              <a:t>985       1200000.0       </a:t>
-            </a:r>
-            <a:r>
-              <a:rPr lang="mr-IN" dirty="0" smtClean="0"/>
-              <a:t>1243071.86</a:t>
-            </a:r>
-            <a:endParaRPr lang="en-US" dirty="0" smtClean="0"/>
-          </a:p>
-          <a:p>
-            <a:r>
-              <a:rPr lang="mr-IN" dirty="0" smtClean="0"/>
-              <a:t>2016-08-19       </a:t>
-            </a:r>
-            <a:r>
-              <a:rPr lang="mr-IN" dirty="0"/>
-              <a:t>751       715000.0       </a:t>
-            </a:r>
-            <a:r>
-              <a:rPr lang="mr-IN" dirty="0" smtClean="0"/>
-              <a:t>691536.8</a:t>
-            </a:r>
-            <a:endParaRPr lang="en-US" dirty="0" smtClean="0"/>
-          </a:p>
-          <a:p>
-            <a:r>
-              <a:rPr lang="mr-IN" dirty="0" smtClean="0"/>
-              <a:t>2016-08-19       </a:t>
-            </a:r>
-            <a:r>
-              <a:rPr lang="mr-IN" dirty="0"/>
-              <a:t>534       640000.0       </a:t>
-            </a:r>
-            <a:r>
-              <a:rPr lang="mr-IN" dirty="0" smtClean="0"/>
-              <a:t>614388.93</a:t>
-            </a:r>
-            <a:endParaRPr lang="en-US" dirty="0" smtClean="0"/>
+              <a:rPr lang="mr-IN" sz="1200" dirty="0"/>
+              <a:t>1350    </a:t>
+            </a:r>
+            <a:r>
+              <a:rPr lang="mr-IN" sz="1200" dirty="0" smtClean="0"/>
+              <a:t> 1</a:t>
+            </a:r>
+            <a:r>
+              <a:rPr lang="en-US" sz="1200" dirty="0" smtClean="0"/>
+              <a:t>,</a:t>
+            </a:r>
+            <a:r>
+              <a:rPr lang="mr-IN" sz="1200" dirty="0" smtClean="0"/>
+              <a:t>475</a:t>
+            </a:r>
+            <a:r>
+              <a:rPr lang="en-US" sz="1200" dirty="0" smtClean="0"/>
+              <a:t>,</a:t>
+            </a:r>
+            <a:r>
+              <a:rPr lang="mr-IN" sz="1200" dirty="0" smtClean="0"/>
+              <a:t>000      1</a:t>
+            </a:r>
+            <a:r>
+              <a:rPr lang="en-US" sz="1200" dirty="0" smtClean="0"/>
+              <a:t>,</a:t>
+            </a:r>
+            <a:r>
+              <a:rPr lang="mr-IN" sz="1200" dirty="0" smtClean="0"/>
+              <a:t>450</a:t>
+            </a:r>
+            <a:r>
+              <a:rPr lang="en-US" sz="1200" dirty="0" smtClean="0"/>
+              <a:t>,</a:t>
+            </a:r>
+            <a:r>
+              <a:rPr lang="mr-IN" sz="1200" dirty="0" smtClean="0"/>
+              <a:t>500.51</a:t>
+            </a:r>
+            <a:endParaRPr lang="en-US" sz="1200" dirty="0" smtClean="0"/>
           </a:p>
         </p:txBody>
       </p:sp>
@@ -9799,7 +10222,7 @@
           <p:nvPr/>
         </p:nvPicPr>
         <p:blipFill>
-          <a:blip r:embed="rId2">
+          <a:blip r:embed="rId3">
             <a:extLst>
               <a:ext uri="{28A0092B-C50C-407E-A947-70E740481C1C}">
                 <a14:useLocalDpi xmlns:a14="http://schemas.microsoft.com/office/drawing/2010/main" val="0"/>
@@ -9862,8 +10285,8 @@
         </p:nvSpPr>
         <p:spPr>
           <a:xfrm>
-            <a:off x="685801" y="609601"/>
-            <a:ext cx="10131425" cy="889000"/>
+            <a:off x="2806701" y="609601"/>
+            <a:ext cx="6578599" cy="889000"/>
           </a:xfrm>
         </p:spPr>
         <p:txBody>
@@ -9888,7 +10311,12 @@
             <p:ph idx="1"/>
           </p:nvPr>
         </p:nvSpPr>
-        <p:spPr/>
+        <p:spPr>
+          <a:xfrm>
+            <a:off x="685801" y="3848100"/>
+            <a:ext cx="10131425" cy="2247900"/>
+          </a:xfrm>
+        </p:spPr>
         <p:txBody>
           <a:bodyPr>
             <a:normAutofit/>
@@ -9920,7 +10348,7 @@
           <a:p>
             <a:fld id="{83A17F7D-EB98-264F-947E-E52E83252E85}" type="datetime1">
               <a:rPr lang="en-US" smtClean="0"/>
-              <a:t>11/29/16</a:t>
+              <a:t>11/30/16</a:t>
             </a:fld>
             <a:endParaRPr lang="en-US" dirty="0"/>
           </a:p>
@@ -9947,6 +10375,128 @@
               <a:t>18</a:t>
             </a:fld>
             <a:endParaRPr lang="en-US" dirty="0"/>
+          </a:p>
+        </p:txBody>
+      </p:sp>
+      <p:sp>
+        <p:nvSpPr>
+          <p:cNvPr id="6" name="TextBox 5"/>
+          <p:cNvSpPr txBox="1"/>
+          <p:nvPr/>
+        </p:nvSpPr>
+        <p:spPr>
+          <a:xfrm>
+            <a:off x="2914650" y="1498600"/>
+            <a:ext cx="6470650" cy="2185214"/>
+          </a:xfrm>
+          <a:prstGeom prst="rect">
+            <a:avLst/>
+          </a:prstGeom>
+          <a:noFill/>
+        </p:spPr>
+        <p:txBody>
+          <a:bodyPr wrap="square" rtlCol="0">
+            <a:spAutoFit/>
+          </a:bodyPr>
+          <a:lstStyle/>
+          <a:p>
+            <a:r>
+              <a:rPr lang="en-US" sz="2400" dirty="0"/>
+              <a:t>test set sale price </a:t>
+            </a:r>
+            <a:r>
+              <a:rPr lang="en-US" sz="2400" dirty="0" err="1"/>
+              <a:t>avg</a:t>
+            </a:r>
+            <a:r>
+              <a:rPr lang="en-US" sz="2400" dirty="0"/>
+              <a:t>:  </a:t>
+            </a:r>
+            <a:r>
+              <a:rPr lang="en-US" sz="2400" dirty="0" smtClean="0"/>
+              <a:t>			       1,642,855.04</a:t>
+            </a:r>
+          </a:p>
+          <a:p>
+            <a:r>
+              <a:rPr lang="en-US" sz="2400" dirty="0" smtClean="0"/>
+              <a:t>test </a:t>
+            </a:r>
+            <a:r>
+              <a:rPr lang="en-US" sz="2400" dirty="0"/>
+              <a:t>set with list price </a:t>
+            </a:r>
+            <a:r>
+              <a:rPr lang="en-US" sz="2400" dirty="0" err="1"/>
+              <a:t>avg</a:t>
+            </a:r>
+            <a:r>
+              <a:rPr lang="en-US" sz="2400" dirty="0"/>
+              <a:t>:  </a:t>
+            </a:r>
+            <a:r>
+              <a:rPr lang="en-US" sz="2400" dirty="0" smtClean="0"/>
+              <a:t>			1,655,398.35</a:t>
+            </a:r>
+          </a:p>
+          <a:p>
+            <a:r>
+              <a:rPr lang="en-US" sz="2400" dirty="0" smtClean="0"/>
+              <a:t>diff</a:t>
+            </a:r>
+            <a:r>
+              <a:rPr lang="en-US" sz="2400" dirty="0"/>
+              <a:t>:  </a:t>
+            </a:r>
+            <a:r>
+              <a:rPr lang="en-US" sz="2400" dirty="0" smtClean="0"/>
+              <a:t>						</a:t>
+            </a:r>
+            <a:r>
+              <a:rPr lang="en-US" sz="3200" dirty="0" smtClean="0"/>
+              <a:t>-12,543.31</a:t>
+            </a:r>
+          </a:p>
+          <a:p>
+            <a:r>
+              <a:rPr lang="en-US" sz="2400" dirty="0" smtClean="0"/>
+              <a:t>test </a:t>
+            </a:r>
+            <a:r>
+              <a:rPr lang="en-US" sz="2400" dirty="0"/>
+              <a:t>set without list price </a:t>
+            </a:r>
+            <a:r>
+              <a:rPr lang="en-US" sz="2400" dirty="0" err="1"/>
+              <a:t>avg</a:t>
+            </a:r>
+            <a:r>
+              <a:rPr lang="en-US" sz="2400" dirty="0"/>
+              <a:t>:  </a:t>
+            </a:r>
+            <a:r>
+              <a:rPr lang="en-US" sz="2400" dirty="0" smtClean="0"/>
+              <a:t>		1,607,460.92</a:t>
+            </a:r>
+          </a:p>
+          <a:p>
+            <a:r>
+              <a:rPr lang="en-US" sz="2400" dirty="0" smtClean="0"/>
+              <a:t>diff</a:t>
+            </a:r>
+            <a:r>
+              <a:rPr lang="en-US" sz="2400" dirty="0"/>
+              <a:t>:  </a:t>
+            </a:r>
+            <a:r>
+              <a:rPr lang="en-US" sz="2400" dirty="0" smtClean="0"/>
+              <a:t>						  </a:t>
+            </a:r>
+            <a:r>
+              <a:rPr lang="en-US" sz="3200" dirty="0" smtClean="0"/>
+              <a:t>35,394.12</a:t>
+            </a:r>
+            <a:endParaRPr lang="en-US" sz="3200" dirty="0"/>
           </a:p>
         </p:txBody>
       </p:sp>
@@ -11550,8 +12100,8 @@
         </p:nvSpPr>
         <p:spPr>
           <a:xfrm>
-            <a:off x="685801" y="1"/>
-            <a:ext cx="6388099" cy="1219200"/>
+            <a:off x="685801" y="147081"/>
+            <a:ext cx="6388099" cy="1072120"/>
           </a:xfrm>
         </p:spPr>
         <p:txBody>
@@ -11561,84 +12111,74 @@
           <a:lstStyle/>
           <a:p>
             <a:r>
-              <a:rPr lang="en-US" dirty="0" smtClean="0"/>
+              <a:rPr lang="en-US" sz="2700" dirty="0" smtClean="0"/>
               <a:t>Linear Regression with </a:t>
             </a:r>
             <a:r>
-              <a:rPr lang="en-US" dirty="0"/>
-              <a:t>list </a:t>
-            </a:r>
-            <a:r>
-              <a:rPr lang="en-US"/>
-              <a:t>price </a:t>
-            </a:r>
-            <a:r>
-              <a:rPr lang="en-US" smtClean="0"/>
+              <a:rPr lang="en-US" sz="2700" dirty="0"/>
+              <a:t>list price </a:t>
+            </a:r>
+            <a:r>
+              <a:rPr lang="en-US" dirty="0" smtClean="0"/>
               <a:t/>
             </a:r>
             <a:br>
-              <a:rPr lang="en-US" smtClean="0"/>
+              <a:rPr lang="en-US" dirty="0" smtClean="0"/>
             </a:br>
             <a:r>
-              <a:rPr lang="en-US" sz="2000" smtClean="0">
+              <a:rPr lang="en-US" sz="1800" dirty="0" smtClean="0">
                 <a:latin typeface="+mn-lt"/>
               </a:rPr>
               <a:t>Train </a:t>
             </a:r>
             <a:r>
-              <a:rPr lang="en-US" sz="2000" dirty="0">
+              <a:rPr lang="en-US" sz="1800" dirty="0">
                 <a:latin typeface="+mn-lt"/>
               </a:rPr>
               <a:t>Variance score: </a:t>
             </a:r>
             <a:r>
-              <a:rPr lang="en-US" sz="2000" dirty="0" smtClean="0">
+              <a:rPr lang="en-US" sz="1800" dirty="0" smtClean="0">
                 <a:latin typeface="+mn-lt"/>
               </a:rPr>
               <a:t>0.98</a:t>
             </a:r>
             <a:br>
-              <a:rPr lang="en-US" sz="2000" dirty="0" smtClean="0">
+              <a:rPr lang="en-US" sz="1800" dirty="0" smtClean="0">
                 <a:latin typeface="+mn-lt"/>
               </a:rPr>
             </a:br>
             <a:r>
-              <a:rPr lang="en-US" sz="2000" dirty="0" smtClean="0">
+              <a:rPr lang="en-US" sz="1800" dirty="0" smtClean="0">
                 <a:latin typeface="+mn-lt"/>
               </a:rPr>
               <a:t>Test </a:t>
             </a:r>
             <a:r>
-              <a:rPr lang="en-US" sz="2000" dirty="0">
+              <a:rPr lang="en-US" sz="1800" dirty="0">
                 <a:latin typeface="+mn-lt"/>
               </a:rPr>
-              <a:t>Variance score</a:t>
-            </a:r>
-            <a:r>
-              <a:rPr lang="en-US" sz="2000">
-                <a:latin typeface="+mn-lt"/>
-              </a:rPr>
-              <a:t>: </a:t>
-            </a:r>
-            <a:r>
-              <a:rPr lang="en-US" sz="2000" smtClean="0">
+              <a:t>Variance score: </a:t>
+            </a:r>
+            <a:r>
+              <a:rPr lang="en-US" sz="1800" dirty="0" smtClean="0">
                 <a:latin typeface="+mn-lt"/>
               </a:rPr>
               <a:t>0.96</a:t>
             </a:r>
             <a:br>
-              <a:rPr lang="en-US" sz="2000" smtClean="0">
+              <a:rPr lang="en-US" sz="1800" dirty="0" smtClean="0">
                 <a:latin typeface="+mn-lt"/>
               </a:rPr>
             </a:br>
             <a:r>
-              <a:rPr lang="en-US" sz="2000" smtClean="0">
+              <a:rPr lang="en-US" sz="1800" dirty="0" smtClean="0">
                 <a:latin typeface="+mn-lt"/>
               </a:rPr>
               <a:t>Validation </a:t>
             </a:r>
             <a:r>
-              <a:rPr lang="en-US" sz="2000" dirty="0">
+              <a:rPr lang="en-US" sz="1800" dirty="0">
                 <a:latin typeface="+mn-lt"/>
               </a:rPr>
               <a:t>Variance score: 0.98</a:t>
@@ -11658,12 +12198,14 @@
         </p:nvSpPr>
         <p:spPr>
           <a:xfrm>
-            <a:off x="1" y="1219200"/>
-            <a:ext cx="7912099" cy="3403600"/>
+            <a:off x="1" y="1455181"/>
+            <a:ext cx="7912099" cy="2761219"/>
           </a:xfrm>
         </p:spPr>
         <p:txBody>
-          <a:bodyPr/>
+          <a:bodyPr>
+            <a:normAutofit lnSpcReduction="10000"/>
+          </a:bodyPr>
           <a:lstStyle/>
           <a:p>
             <a:pPr marL="0" lvl="0" indent="0" defTabSz="914400">
@@ -11675,58 +12217,58 @@
               <a:buNone/>
             </a:pPr>
             <a:r>
-              <a:rPr lang="mr-IN" dirty="0" err="1"/>
+              <a:rPr lang="mr-IN" sz="1600" dirty="0" err="1"/>
               <a:t>model</a:t>
             </a:r>
             <a:r>
-              <a:rPr lang="mr-IN" dirty="0"/>
+              <a:rPr lang="mr-IN" sz="1600" dirty="0"/>
               <a:t> </a:t>
             </a:r>
             <a:r>
-              <a:rPr lang="mr-IN" dirty="0" err="1"/>
+              <a:rPr lang="mr-IN" sz="1600" dirty="0" err="1"/>
               <a:t>with</a:t>
             </a:r>
             <a:r>
-              <a:rPr lang="mr-IN" dirty="0"/>
+              <a:rPr lang="mr-IN" sz="1600" dirty="0"/>
               <a:t> </a:t>
             </a:r>
             <a:r>
-              <a:rPr lang="mr-IN" dirty="0" err="1"/>
+              <a:rPr lang="mr-IN" sz="1600" dirty="0" err="1"/>
               <a:t>year</a:t>
             </a:r>
             <a:r>
-              <a:rPr lang="mr-IN" dirty="0"/>
+              <a:rPr lang="mr-IN" sz="1600" dirty="0"/>
               <a:t> </a:t>
             </a:r>
             <a:r>
-              <a:rPr lang="mr-IN" dirty="0" err="1"/>
+              <a:rPr lang="mr-IN" sz="1600" dirty="0" err="1"/>
               <a:t>month</a:t>
             </a:r>
             <a:r>
-              <a:rPr lang="mr-IN" dirty="0"/>
+              <a:rPr lang="mr-IN" sz="1600" dirty="0"/>
               <a:t> </a:t>
             </a:r>
             <a:r>
-              <a:rPr lang="mr-IN" dirty="0" err="1"/>
+              <a:rPr lang="mr-IN" sz="1600" dirty="0" err="1"/>
               <a:t>columns</a:t>
             </a:r>
             <a:r>
-              <a:rPr lang="mr-IN" dirty="0"/>
+              <a:rPr lang="mr-IN" sz="1600" dirty="0"/>
               <a:t>, </a:t>
             </a:r>
             <a:r>
-              <a:rPr lang="mr-IN" dirty="0" err="1"/>
+              <a:rPr lang="mr-IN" sz="1600" dirty="0" err="1"/>
               <a:t>no</a:t>
             </a:r>
             <a:r>
-              <a:rPr lang="mr-IN" dirty="0"/>
+              <a:rPr lang="mr-IN" sz="1600" dirty="0"/>
               <a:t> </a:t>
             </a:r>
             <a:r>
-              <a:rPr lang="mr-IN" dirty="0" smtClean="0"/>
+              <a:rPr lang="mr-IN" sz="1600" dirty="0" smtClean="0"/>
               <a:t>log10:</a:t>
             </a:r>
-            <a:endParaRPr lang="en-US" dirty="0" smtClean="0"/>
+            <a:endParaRPr lang="en-US" sz="1600" dirty="0" smtClean="0"/>
           </a:p>
           <a:p>
             <a:pPr marL="0" lvl="0" indent="0" defTabSz="914400">
@@ -11737,7 +12279,7 @@
               <a:buSzTx/>
               <a:buNone/>
             </a:pPr>
-            <a:endParaRPr lang="en-US" dirty="0" smtClean="0"/>
+            <a:endParaRPr lang="en-US" sz="1600" dirty="0" smtClean="0"/>
           </a:p>
           <a:p>
             <a:pPr marL="0" lvl="0" indent="0" defTabSz="914400">
@@ -11749,22 +12291,22 @@
               <a:buNone/>
             </a:pPr>
             <a:r>
-              <a:rPr lang="mr-IN" dirty="0" smtClean="0"/>
+              <a:rPr lang="mr-IN" sz="1600" dirty="0" smtClean="0"/>
               <a:t>OLS </a:t>
             </a:r>
             <a:r>
-              <a:rPr lang="mr-IN" dirty="0" err="1" smtClean="0"/>
+              <a:rPr lang="mr-IN" sz="1600" dirty="0" err="1" smtClean="0"/>
               <a:t>Regression</a:t>
             </a:r>
             <a:r>
-              <a:rPr lang="en-US" dirty="0" smtClean="0"/>
+              <a:rPr lang="en-US" sz="1600" dirty="0" smtClean="0"/>
               <a:t> </a:t>
             </a:r>
             <a:r>
-              <a:rPr lang="mr-IN" dirty="0" err="1" smtClean="0"/>
+              <a:rPr lang="mr-IN" sz="1600" dirty="0" err="1" smtClean="0"/>
               <a:t>Results</a:t>
             </a:r>
-            <a:endParaRPr lang="en-US" dirty="0" smtClean="0"/>
+            <a:endParaRPr lang="en-US" sz="1600" dirty="0" smtClean="0"/>
           </a:p>
           <a:p>
             <a:pPr marL="0" lvl="0" indent="0" defTabSz="914400">
@@ -11776,10 +12318,10 @@
               <a:buNone/>
             </a:pPr>
             <a:r>
-              <a:rPr lang="mr-IN" dirty="0" smtClean="0"/>
+              <a:rPr lang="mr-IN" sz="1600" dirty="0" smtClean="0"/>
               <a:t>=======================================================</a:t>
             </a:r>
-            <a:endParaRPr lang="en-US" dirty="0" smtClean="0"/>
+            <a:endParaRPr lang="en-US" sz="1600" dirty="0" smtClean="0"/>
           </a:p>
           <a:p>
             <a:pPr marL="0" lvl="0" indent="0" defTabSz="914400">
@@ -11791,62 +12333,62 @@
               <a:buNone/>
             </a:pPr>
             <a:r>
-              <a:rPr lang="mr-IN" dirty="0" err="1" smtClean="0"/>
+              <a:rPr lang="mr-IN" sz="1600" dirty="0" err="1" smtClean="0"/>
               <a:t>Dep</a:t>
             </a:r>
             <a:r>
-              <a:rPr lang="mr-IN" dirty="0"/>
+              <a:rPr lang="mr-IN" sz="1600" dirty="0"/>
               <a:t>. </a:t>
             </a:r>
             <a:r>
-              <a:rPr lang="mr-IN" dirty="0" err="1"/>
+              <a:rPr lang="mr-IN" sz="1600" dirty="0" err="1"/>
               <a:t>Variable</a:t>
             </a:r>
             <a:r>
-              <a:rPr lang="mr-IN" dirty="0"/>
+              <a:rPr lang="mr-IN" sz="1600" dirty="0"/>
               <a:t>:  </a:t>
             </a:r>
             <a:r>
-              <a:rPr lang="en-US" dirty="0" smtClean="0"/>
+              <a:rPr lang="en-US" sz="1600" dirty="0" smtClean="0"/>
               <a:t>    </a:t>
             </a:r>
             <a:r>
-              <a:rPr lang="mr-IN" dirty="0" err="1" smtClean="0"/>
+              <a:rPr lang="mr-IN" sz="1600" dirty="0" err="1" smtClean="0"/>
               <a:t>sale_price</a:t>
             </a:r>
             <a:r>
-              <a:rPr lang="mr-IN" dirty="0" smtClean="0"/>
+              <a:rPr lang="mr-IN" sz="1600" dirty="0" smtClean="0"/>
               <a:t>  </a:t>
             </a:r>
             <a:r>
-              <a:rPr lang="en-US" dirty="0" smtClean="0"/>
+              <a:rPr lang="en-US" sz="1600" dirty="0" smtClean="0"/>
               <a:t>       </a:t>
             </a:r>
             <a:r>
-              <a:rPr lang="mr-IN" dirty="0" smtClean="0"/>
+              <a:rPr lang="mr-IN" sz="1600" dirty="0" smtClean="0"/>
               <a:t> </a:t>
             </a:r>
             <a:r>
-              <a:rPr lang="en-US" dirty="0" smtClean="0"/>
+              <a:rPr lang="en-US" sz="1600" dirty="0" smtClean="0"/>
               <a:t>             </a:t>
             </a:r>
             <a:r>
-              <a:rPr lang="mr-IN" dirty="0" err="1" smtClean="0"/>
+              <a:rPr lang="mr-IN" sz="1600" dirty="0" err="1" smtClean="0"/>
               <a:t>R-squared</a:t>
             </a:r>
             <a:r>
-              <a:rPr lang="mr-IN" dirty="0" smtClean="0"/>
+              <a:rPr lang="mr-IN" sz="1600" dirty="0" smtClean="0"/>
               <a:t>:       </a:t>
             </a:r>
             <a:r>
-              <a:rPr lang="en-US" dirty="0" smtClean="0"/>
+              <a:rPr lang="en-US" sz="1600" dirty="0" smtClean="0"/>
               <a:t> </a:t>
             </a:r>
             <a:r>
-              <a:rPr lang="mr-IN" dirty="0" smtClean="0"/>
+              <a:rPr lang="mr-IN" sz="1600" dirty="0" smtClean="0"/>
               <a:t>   0.978</a:t>
             </a:r>
-            <a:endParaRPr lang="en-US" dirty="0" smtClean="0"/>
+            <a:endParaRPr lang="en-US" sz="1600" dirty="0" smtClean="0"/>
           </a:p>
           <a:p>
             <a:pPr marL="0" lvl="0" indent="0" defTabSz="914400">
@@ -11858,50 +12400,50 @@
               <a:buNone/>
             </a:pPr>
             <a:r>
-              <a:rPr lang="mr-IN" dirty="0" err="1" smtClean="0"/>
+              <a:rPr lang="mr-IN" sz="1600" dirty="0" err="1" smtClean="0"/>
               <a:t>Model</a:t>
             </a:r>
             <a:r>
-              <a:rPr lang="mr-IN" dirty="0"/>
+              <a:rPr lang="mr-IN" sz="1600" dirty="0"/>
               <a:t>:        </a:t>
             </a:r>
             <a:r>
-              <a:rPr lang="en-US" dirty="0" smtClean="0"/>
+              <a:rPr lang="en-US" sz="1600" dirty="0" smtClean="0"/>
               <a:t>    </a:t>
             </a:r>
             <a:r>
-              <a:rPr lang="mr-IN" dirty="0" smtClean="0"/>
+              <a:rPr lang="mr-IN" sz="1600" dirty="0" smtClean="0"/>
               <a:t>OLS   </a:t>
             </a:r>
             <a:r>
-              <a:rPr lang="en-US" dirty="0" smtClean="0"/>
+              <a:rPr lang="en-US" sz="1600" dirty="0" smtClean="0"/>
               <a:t>                                   </a:t>
             </a:r>
             <a:r>
-              <a:rPr lang="mr-IN" dirty="0" err="1" smtClean="0"/>
+              <a:rPr lang="mr-IN" sz="1600" dirty="0" err="1" smtClean="0"/>
               <a:t>Adj</a:t>
             </a:r>
             <a:r>
-              <a:rPr lang="mr-IN" dirty="0"/>
+              <a:rPr lang="mr-IN" sz="1600" dirty="0"/>
               <a:t>. </a:t>
             </a:r>
             <a:r>
-              <a:rPr lang="mr-IN" dirty="0" err="1"/>
+              <a:rPr lang="mr-IN" sz="1600" dirty="0" err="1"/>
               <a:t>R-squared</a:t>
             </a:r>
             <a:r>
-              <a:rPr lang="mr-IN" dirty="0" smtClean="0"/>
+              <a:rPr lang="mr-IN" sz="1600" dirty="0" smtClean="0"/>
               <a:t>:</a:t>
             </a:r>
             <a:r>
-              <a:rPr lang="en-US" dirty="0" smtClean="0"/>
+              <a:rPr lang="en-US" sz="1600" dirty="0" smtClean="0"/>
               <a:t> </a:t>
             </a:r>
             <a:r>
-              <a:rPr lang="mr-IN" dirty="0" smtClean="0"/>
+              <a:rPr lang="mr-IN" sz="1600" dirty="0" smtClean="0"/>
               <a:t>      0.978</a:t>
             </a:r>
-            <a:endParaRPr lang="en-US" dirty="0" smtClean="0"/>
+            <a:endParaRPr lang="en-US" sz="1600" dirty="0" smtClean="0"/>
           </a:p>
           <a:p>
             <a:pPr marL="0" lvl="0" indent="0" defTabSz="914400">
@@ -11913,62 +12455,62 @@
               <a:buNone/>
             </a:pPr>
             <a:r>
-              <a:rPr lang="mr-IN" dirty="0" err="1" smtClean="0"/>
+              <a:rPr lang="mr-IN" sz="1600" dirty="0" err="1" smtClean="0"/>
               <a:t>Method</a:t>
             </a:r>
             <a:r>
-              <a:rPr lang="en-US" dirty="0" smtClean="0"/>
+              <a:rPr lang="en-US" sz="1600" dirty="0" smtClean="0"/>
               <a:t>:</a:t>
             </a:r>
             <a:r>
-              <a:rPr lang="mr-IN" dirty="0" smtClean="0"/>
+              <a:rPr lang="mr-IN" sz="1600" dirty="0" smtClean="0"/>
               <a:t>       </a:t>
             </a:r>
             <a:r>
-              <a:rPr lang="en-US" dirty="0" smtClean="0"/>
+              <a:rPr lang="en-US" sz="1600" dirty="0" smtClean="0"/>
               <a:t>    </a:t>
             </a:r>
             <a:r>
-              <a:rPr lang="mr-IN" dirty="0" err="1" smtClean="0"/>
+              <a:rPr lang="mr-IN" sz="1600" dirty="0" err="1" smtClean="0"/>
               <a:t>Least</a:t>
             </a:r>
             <a:r>
-              <a:rPr lang="mr-IN" dirty="0" smtClean="0"/>
+              <a:rPr lang="mr-IN" sz="1600" dirty="0" smtClean="0"/>
               <a:t> </a:t>
             </a:r>
             <a:r>
-              <a:rPr lang="mr-IN" dirty="0" err="1"/>
+              <a:rPr lang="mr-IN" sz="1600" dirty="0" err="1"/>
               <a:t>Squares</a:t>
             </a:r>
             <a:r>
-              <a:rPr lang="mr-IN" dirty="0"/>
+              <a:rPr lang="mr-IN" sz="1600" dirty="0"/>
               <a:t>  </a:t>
             </a:r>
             <a:r>
-              <a:rPr lang="en-US" dirty="0" smtClean="0"/>
+              <a:rPr lang="en-US" sz="1600" dirty="0" smtClean="0"/>
               <a:t>              </a:t>
             </a:r>
             <a:r>
-              <a:rPr lang="mr-IN" dirty="0" err="1" smtClean="0"/>
+              <a:rPr lang="mr-IN" sz="1600" dirty="0" err="1" smtClean="0"/>
               <a:t>F-statistic</a:t>
             </a:r>
             <a:r>
-              <a:rPr lang="mr-IN" dirty="0"/>
+              <a:rPr lang="mr-IN" sz="1600" dirty="0"/>
               <a:t>:   </a:t>
             </a:r>
             <a:r>
-              <a:rPr lang="mr-IN" dirty="0" smtClean="0"/>
+              <a:rPr lang="mr-IN" sz="1600" dirty="0" smtClean="0"/>
               <a:t>         </a:t>
             </a:r>
             <a:r>
-              <a:rPr lang="mr-IN" dirty="0"/>
+              <a:rPr lang="mr-IN" sz="1600" dirty="0"/>
               <a:t>5925</a:t>
             </a:r>
             <a:r>
-              <a:rPr lang="mr-IN" dirty="0" smtClean="0"/>
+              <a:rPr lang="mr-IN" sz="1600" dirty="0" smtClean="0"/>
               <a:t>.</a:t>
             </a:r>
-            <a:endParaRPr lang="en-US" dirty="0" smtClean="0"/>
+            <a:endParaRPr lang="en-US" sz="1600" dirty="0" smtClean="0"/>
           </a:p>
           <a:p>
             <a:pPr marL="0" lvl="0" indent="0" defTabSz="914400">
@@ -11980,74 +12522,74 @@
               <a:buNone/>
             </a:pPr>
             <a:r>
-              <a:rPr lang="mr-IN" dirty="0" err="1" smtClean="0"/>
+              <a:rPr lang="mr-IN" sz="1600" dirty="0" err="1" smtClean="0"/>
               <a:t>Date</a:t>
             </a:r>
             <a:r>
-              <a:rPr lang="mr-IN" dirty="0"/>
+              <a:rPr lang="mr-IN" sz="1600" dirty="0"/>
               <a:t>:     </a:t>
             </a:r>
             <a:r>
-              <a:rPr lang="mr-IN" dirty="0" smtClean="0"/>
+              <a:rPr lang="mr-IN" sz="1600" dirty="0" smtClean="0"/>
               <a:t>     </a:t>
             </a:r>
             <a:r>
-              <a:rPr lang="en-US" dirty="0" smtClean="0"/>
+              <a:rPr lang="en-US" sz="1600" dirty="0" smtClean="0"/>
               <a:t>   </a:t>
             </a:r>
             <a:r>
-              <a:rPr lang="mr-IN" dirty="0" err="1" smtClean="0"/>
+              <a:rPr lang="mr-IN" sz="1600" dirty="0" err="1" smtClean="0"/>
               <a:t>Tue</a:t>
             </a:r>
             <a:r>
-              <a:rPr lang="mr-IN" dirty="0"/>
+              <a:rPr lang="mr-IN" sz="1600" dirty="0"/>
               <a:t>, 29 </a:t>
             </a:r>
             <a:r>
-              <a:rPr lang="mr-IN" dirty="0" err="1"/>
+              <a:rPr lang="mr-IN" sz="1600" dirty="0" err="1"/>
               <a:t>Nov</a:t>
             </a:r>
             <a:r>
-              <a:rPr lang="mr-IN" dirty="0"/>
+              <a:rPr lang="mr-IN" sz="1600" dirty="0"/>
               <a:t> 2016   </a:t>
             </a:r>
             <a:r>
-              <a:rPr lang="en-US" dirty="0" smtClean="0"/>
+              <a:rPr lang="en-US" sz="1600" dirty="0" smtClean="0"/>
               <a:t> </a:t>
             </a:r>
             <a:r>
-              <a:rPr lang="mr-IN" dirty="0" err="1" smtClean="0"/>
+              <a:rPr lang="mr-IN" sz="1600" dirty="0" err="1" smtClean="0"/>
               <a:t>Prob</a:t>
             </a:r>
             <a:r>
-              <a:rPr lang="mr-IN" dirty="0" smtClean="0"/>
+              <a:rPr lang="mr-IN" sz="1600" dirty="0" smtClean="0"/>
               <a:t> </a:t>
             </a:r>
             <a:r>
-              <a:rPr lang="mr-IN" dirty="0"/>
+              <a:rPr lang="mr-IN" sz="1600" dirty="0"/>
               <a:t>(</a:t>
             </a:r>
             <a:r>
-              <a:rPr lang="mr-IN" dirty="0" err="1" smtClean="0"/>
+              <a:rPr lang="mr-IN" sz="1600" dirty="0" err="1" smtClean="0"/>
               <a:t>F-statistic</a:t>
             </a:r>
             <a:r>
-              <a:rPr lang="en-US" dirty="0" smtClean="0"/>
+              <a:rPr lang="en-US" sz="1600" dirty="0" smtClean="0"/>
               <a:t> </a:t>
             </a:r>
             <a:r>
-              <a:rPr lang="mr-IN" dirty="0" smtClean="0"/>
+              <a:rPr lang="mr-IN" sz="1600" dirty="0" smtClean="0"/>
               <a:t>  </a:t>
             </a:r>
             <a:r>
-              <a:rPr lang="en-US" dirty="0" smtClean="0"/>
+              <a:rPr lang="en-US" sz="1600" dirty="0" smtClean="0"/>
               <a:t> </a:t>
             </a:r>
             <a:r>
-              <a:rPr lang="mr-IN" dirty="0" smtClean="0"/>
+              <a:rPr lang="mr-IN" sz="1600" dirty="0" smtClean="0"/>
               <a:t>     0.00</a:t>
             </a:r>
-            <a:endParaRPr lang="en-US" dirty="0" smtClean="0"/>
+            <a:endParaRPr lang="en-US" sz="1600" dirty="0" smtClean="0"/>
           </a:p>
           <a:p>
             <a:pPr marL="0" lvl="0" indent="0" defTabSz="914400">
@@ -12059,46 +12601,50 @@
               <a:buNone/>
             </a:pPr>
             <a:r>
-              <a:rPr lang="mr-IN" dirty="0" smtClean="0"/>
+              <a:rPr lang="mr-IN" sz="1600" dirty="0" smtClean="0"/>
               <a:t>Time</a:t>
             </a:r>
             <a:r>
-              <a:rPr lang="mr-IN" dirty="0"/>
+              <a:rPr lang="mr-IN" sz="1600" dirty="0"/>
               <a:t>:     </a:t>
             </a:r>
             <a:r>
-              <a:rPr lang="mr-IN" dirty="0" smtClean="0"/>
+              <a:rPr lang="mr-IN" sz="1600" dirty="0" smtClean="0"/>
               <a:t>     </a:t>
             </a:r>
             <a:r>
-              <a:rPr lang="en-US" dirty="0" smtClean="0"/>
+              <a:rPr lang="en-US" sz="1600" dirty="0" smtClean="0"/>
               <a:t>   </a:t>
             </a:r>
             <a:r>
-              <a:rPr lang="mr-IN" dirty="0" smtClean="0"/>
+              <a:rPr lang="mr-IN" sz="1600" dirty="0" smtClean="0"/>
               <a:t>12:25:23   </a:t>
             </a:r>
             <a:r>
-              <a:rPr lang="en-US" dirty="0" smtClean="0"/>
+              <a:rPr lang="en-US" sz="1600" dirty="0" smtClean="0"/>
               <a:t>                   </a:t>
             </a:r>
             <a:r>
-              <a:rPr lang="mr-IN" dirty="0" err="1" smtClean="0"/>
+              <a:rPr lang="mr-IN" sz="1600" dirty="0" err="1" smtClean="0"/>
               <a:t>Log-Likelihoo</a:t>
             </a:r>
             <a:r>
-              <a:rPr lang="mr-IN" dirty="0" smtClean="0"/>
+              <a:rPr lang="en-US" sz="1600" dirty="0" smtClean="0"/>
+              <a:t>d</a:t>
+            </a:r>
+            <a:r>
+              <a:rPr lang="mr-IN" sz="1600" dirty="0" smtClean="0"/>
               <a:t>        </a:t>
             </a:r>
             <a:r>
-              <a:rPr lang="mr-IN" dirty="0"/>
+              <a:rPr lang="mr-IN" sz="1600" dirty="0"/>
               <a:t>-59955</a:t>
             </a:r>
             <a:r>
-              <a:rPr lang="mr-IN" dirty="0" smtClean="0"/>
+              <a:rPr lang="mr-IN" sz="1600" dirty="0" smtClean="0"/>
               <a:t>.</a:t>
             </a:r>
-            <a:endParaRPr lang="en-US" dirty="0" smtClean="0"/>
+            <a:endParaRPr lang="en-US" sz="1600" dirty="0" smtClean="0"/>
           </a:p>
           <a:p>
             <a:pPr marL="0" lvl="0" indent="0" defTabSz="914400">
@@ -12110,50 +12656,50 @@
               <a:buNone/>
             </a:pPr>
             <a:r>
-              <a:rPr lang="mr-IN" dirty="0" err="1" smtClean="0"/>
+              <a:rPr lang="mr-IN" sz="1600" dirty="0" err="1" smtClean="0"/>
               <a:t>No</a:t>
             </a:r>
             <a:r>
-              <a:rPr lang="mr-IN" dirty="0"/>
+              <a:rPr lang="mr-IN" sz="1600" dirty="0"/>
               <a:t>. </a:t>
             </a:r>
             <a:r>
-              <a:rPr lang="mr-IN" dirty="0" err="1" smtClean="0"/>
+              <a:rPr lang="mr-IN" sz="1600" dirty="0" err="1" smtClean="0"/>
               <a:t>Observations</a:t>
             </a:r>
             <a:r>
-              <a:rPr lang="mr-IN" dirty="0" smtClean="0"/>
+              <a:rPr lang="mr-IN" sz="1600" dirty="0" smtClean="0"/>
               <a:t>:</a:t>
             </a:r>
             <a:r>
-              <a:rPr lang="en-US" dirty="0" smtClean="0"/>
+              <a:rPr lang="en-US" sz="1600" dirty="0" smtClean="0"/>
               <a:t>  </a:t>
             </a:r>
             <a:r>
-              <a:rPr lang="mr-IN" dirty="0" smtClean="0"/>
+              <a:rPr lang="mr-IN" sz="1600" dirty="0" smtClean="0"/>
               <a:t>4339   </a:t>
             </a:r>
             <a:r>
-              <a:rPr lang="en-US" dirty="0" smtClean="0"/>
+              <a:rPr lang="en-US" sz="1600" dirty="0" smtClean="0"/>
               <a:t>                          </a:t>
             </a:r>
             <a:r>
-              <a:rPr lang="mr-IN" dirty="0" smtClean="0"/>
+              <a:rPr lang="mr-IN" sz="1600" dirty="0" smtClean="0"/>
               <a:t>AIC</a:t>
             </a:r>
             <a:r>
-              <a:rPr lang="mr-IN" dirty="0"/>
+              <a:rPr lang="mr-IN" sz="1600" dirty="0"/>
               <a:t>:  </a:t>
             </a:r>
             <a:r>
-              <a:rPr lang="en-US" dirty="0" smtClean="0"/>
+              <a:rPr lang="en-US" sz="1600" dirty="0" smtClean="0"/>
               <a:t> </a:t>
             </a:r>
             <a:r>
-              <a:rPr lang="mr-IN" dirty="0" smtClean="0"/>
+              <a:rPr lang="mr-IN" sz="1600" dirty="0" smtClean="0"/>
               <a:t> 1.200e+05</a:t>
             </a:r>
-            <a:endParaRPr lang="en-US" dirty="0" smtClean="0"/>
+            <a:endParaRPr lang="en-US" sz="1600" dirty="0" smtClean="0"/>
           </a:p>
           <a:p>
             <a:pPr marL="0" lvl="0" indent="0" defTabSz="914400">
@@ -12165,46 +12711,46 @@
               <a:buNone/>
             </a:pPr>
             <a:r>
-              <a:rPr lang="mr-IN" dirty="0" err="1" smtClean="0"/>
+              <a:rPr lang="mr-IN" sz="1600" dirty="0" err="1" smtClean="0"/>
               <a:t>Df</a:t>
             </a:r>
             <a:r>
-              <a:rPr lang="mr-IN" dirty="0" smtClean="0"/>
+              <a:rPr lang="mr-IN" sz="1600" dirty="0" smtClean="0"/>
               <a:t> </a:t>
             </a:r>
             <a:r>
-              <a:rPr lang="mr-IN" dirty="0" err="1"/>
+              <a:rPr lang="mr-IN" sz="1600" dirty="0" err="1"/>
               <a:t>Residuals</a:t>
             </a:r>
             <a:r>
-              <a:rPr lang="mr-IN" dirty="0"/>
+              <a:rPr lang="mr-IN" sz="1600" dirty="0"/>
               <a:t>:    </a:t>
             </a:r>
             <a:r>
-              <a:rPr lang="en-US" dirty="0" smtClean="0"/>
+              <a:rPr lang="en-US" sz="1600" dirty="0" smtClean="0"/>
               <a:t>  </a:t>
             </a:r>
             <a:r>
-              <a:rPr lang="mr-IN" dirty="0" smtClean="0"/>
+              <a:rPr lang="mr-IN" sz="1600" dirty="0" smtClean="0"/>
               <a:t>4305   </a:t>
             </a:r>
             <a:r>
-              <a:rPr lang="en-US" dirty="0" smtClean="0"/>
+              <a:rPr lang="en-US" sz="1600" dirty="0" smtClean="0"/>
               <a:t>                           </a:t>
             </a:r>
             <a:r>
-              <a:rPr lang="mr-IN" dirty="0" smtClean="0"/>
+              <a:rPr lang="mr-IN" sz="1600" dirty="0" smtClean="0"/>
               <a:t>BIC:     </a:t>
             </a:r>
             <a:r>
-              <a:rPr lang="en-US" dirty="0" smtClean="0"/>
+              <a:rPr lang="en-US" sz="1600" dirty="0" smtClean="0"/>
               <a:t> </a:t>
             </a:r>
             <a:r>
-              <a:rPr lang="mr-IN" dirty="0" smtClean="0"/>
+              <a:rPr lang="mr-IN" sz="1600" dirty="0" smtClean="0"/>
               <a:t> 1.202e+05</a:t>
             </a:r>
-            <a:endParaRPr lang="en-US" dirty="0" smtClean="0"/>
+            <a:endParaRPr lang="en-US" sz="1600" dirty="0" smtClean="0"/>
           </a:p>
           <a:p>
             <a:pPr marL="0" lvl="0" indent="0" defTabSz="914400">
@@ -12216,30 +12762,30 @@
               <a:buNone/>
             </a:pPr>
             <a:r>
-              <a:rPr lang="mr-IN" dirty="0" err="1" smtClean="0"/>
+              <a:rPr lang="mr-IN" sz="1600" dirty="0" err="1" smtClean="0"/>
               <a:t>Df</a:t>
             </a:r>
             <a:r>
-              <a:rPr lang="mr-IN" dirty="0" smtClean="0"/>
+              <a:rPr lang="mr-IN" sz="1600" dirty="0" smtClean="0"/>
               <a:t> </a:t>
             </a:r>
             <a:r>
-              <a:rPr lang="mr-IN" dirty="0" err="1"/>
+              <a:rPr lang="mr-IN" sz="1600" dirty="0" err="1"/>
               <a:t>Model</a:t>
             </a:r>
             <a:r>
-              <a:rPr lang="mr-IN" dirty="0"/>
+              <a:rPr lang="mr-IN" sz="1600" dirty="0"/>
               <a:t>:       </a:t>
             </a:r>
             <a:r>
-              <a:rPr lang="en-US" dirty="0" smtClean="0"/>
+              <a:rPr lang="en-US" sz="1600" dirty="0" smtClean="0"/>
               <a:t> </a:t>
             </a:r>
             <a:r>
-              <a:rPr lang="mr-IN" dirty="0" smtClean="0"/>
+              <a:rPr lang="mr-IN" sz="1600" dirty="0" smtClean="0"/>
               <a:t>33</a:t>
             </a:r>
-            <a:endParaRPr lang="en-US" dirty="0"/>
+            <a:endParaRPr lang="en-US" sz="1600" dirty="0"/>
           </a:p>
         </p:txBody>
       </p:sp>
@@ -12484,7 +13030,7 @@
         </p:nvSpPr>
         <p:spPr>
           <a:xfrm>
-            <a:off x="45031" y="1"/>
+            <a:off x="45031" y="292100"/>
             <a:ext cx="7424716" cy="1219199"/>
           </a:xfrm>
         </p:spPr>
@@ -12500,19 +13046,11 @@
             </a:r>
             <a:r>
               <a:rPr lang="en-US" sz="2200" dirty="0"/>
-              <a:t>list </a:t>
-            </a:r>
-            <a:r>
-              <a:rPr lang="en-US" sz="2200"/>
-              <a:t>price </a:t>
-            </a:r>
-            <a:r>
-              <a:rPr lang="en-US" sz="2200" smtClean="0"/>
-              <a:t>With </a:t>
+              <a:t>list price </a:t>
             </a:r>
             <a:r>
               <a:rPr lang="en-US" sz="2200" dirty="0" smtClean="0"/>
-              <a:t>log10 of prices</a:t>
+              <a:t>With log10 of prices</a:t>
             </a:r>
             <a:r>
               <a:rPr lang="en-US" dirty="0"/>
@@ -12594,7 +13132,7 @@
         </p:nvSpPr>
         <p:spPr>
           <a:xfrm>
-            <a:off x="1" y="1219200"/>
+            <a:off x="1" y="1917700"/>
             <a:ext cx="7912099" cy="3403600"/>
           </a:xfrm>
         </p:spPr>
@@ -13037,6 +13575,10 @@
             <a:r>
               <a:rPr lang="mr-IN" dirty="0" err="1" smtClean="0"/>
               <a:t>Log-Likelihoo</a:t>
+            </a:r>
+            <a:r>
+              <a:rPr lang="en-US" dirty="0" smtClean="0"/>
+              <a:t>d</a:t>
             </a:r>
             <a:r>
               <a:rPr lang="mr-IN" dirty="0" smtClean="0"/>

--- a/George Drakulic Presentation.pptx
+++ b/George Drakulic Presentation.pptx
@@ -124,6 +124,11 @@
       </a:defRPr>
     </a:lvl9pPr>
   </p:defaultTextStyle>
+  <p:extLst>
+    <p:ext uri="{EFAFB233-063F-42B5-8137-9DF3F51BA10A}">
+      <p15:sldGuideLst xmlns:p15="http://schemas.microsoft.com/office/powerpoint/2012/main"/>
+    </p:ext>
+  </p:extLst>
 </p:presentation>
 </file>
 
@@ -209,7 +214,7 @@
           <a:p>
             <a:fld id="{D04EC9A6-5DCC-ED48-BFDF-8B9CC280DFCD}" type="datetimeFigureOut">
               <a:rPr lang="en-US" smtClean="0"/>
-              <a:t>11/29/16</a:t>
+              <a:t>11/30/16</a:t>
             </a:fld>
             <a:endParaRPr lang="en-US" dirty="0"/>
           </a:p>
@@ -874,7 +879,7 @@
           <a:p>
             <a:fld id="{DBD3F400-9FF1-8344-B2A4-FC610A1F3AD2}" type="datetime1">
               <a:rPr lang="en-US" smtClean="0"/>
-              <a:t>11/29/16</a:t>
+              <a:t>11/30/16</a:t>
             </a:fld>
             <a:endParaRPr lang="en-US" dirty="0"/>
           </a:p>
@@ -1204,7 +1209,7 @@
           <a:p>
             <a:fld id="{3F90722E-B217-5B44-930F-25B807CD9B1D}" type="datetime1">
               <a:rPr lang="en-US" smtClean="0"/>
-              <a:t>11/29/16</a:t>
+              <a:t>11/30/16</a:t>
             </a:fld>
             <a:endParaRPr lang="en-US" dirty="0"/>
           </a:p>
@@ -1478,7 +1483,7 @@
           <a:p>
             <a:fld id="{BDA9D37A-1F7F-B44F-AADD-05B7F6CC270A}" type="datetime1">
               <a:rPr lang="en-US" smtClean="0"/>
-              <a:t>11/29/16</a:t>
+              <a:t>11/30/16</a:t>
             </a:fld>
             <a:endParaRPr lang="en-US" dirty="0"/>
           </a:p>
@@ -2042,7 +2047,7 @@
           <a:p>
             <a:fld id="{B8BF9C05-0ED5-3645-B293-792C3AABB359}" type="datetime1">
               <a:rPr lang="en-US" smtClean="0"/>
-              <a:t>11/29/16</a:t>
+              <a:t>11/30/16</a:t>
             </a:fld>
             <a:endParaRPr lang="en-US" dirty="0"/>
           </a:p>
@@ -2316,7 +2321,7 @@
           <a:p>
             <a:fld id="{AB49ABE0-D623-FB4E-B555-7271789B19F1}" type="datetime1">
               <a:rPr lang="en-US" smtClean="0"/>
-              <a:t>11/29/16</a:t>
+              <a:t>11/30/16</a:t>
             </a:fld>
             <a:endParaRPr lang="en-US" dirty="0"/>
           </a:p>
@@ -2874,7 +2879,7 @@
           <a:p>
             <a:fld id="{81ACA035-2A97-B946-A084-1C28B076F221}" type="datetime1">
               <a:rPr lang="en-US" smtClean="0"/>
-              <a:t>11/29/16</a:t>
+              <a:t>11/30/16</a:t>
             </a:fld>
             <a:endParaRPr lang="en-US" dirty="0"/>
           </a:p>
@@ -3197,7 +3202,7 @@
           <a:p>
             <a:fld id="{72FB90F1-A73E-4D45-B304-998A185D0BFF}" type="datetime1">
               <a:rPr lang="en-US" smtClean="0"/>
-              <a:t>11/29/16</a:t>
+              <a:t>11/30/16</a:t>
             </a:fld>
             <a:endParaRPr lang="en-US" dirty="0"/>
           </a:p>
@@ -3370,7 +3375,7 @@
           <a:p>
             <a:fld id="{C49573BE-E61B-7245-B983-67172A3019E1}" type="datetime1">
               <a:rPr lang="en-US" smtClean="0"/>
-              <a:t>11/29/16</a:t>
+              <a:t>11/30/16</a:t>
             </a:fld>
             <a:endParaRPr lang="en-US" dirty="0"/>
           </a:p>
@@ -3604,7 +3609,7 @@
           <a:p>
             <a:fld id="{DC19E5D5-A0D3-D849-9D7F-71398BFE9C8A}" type="datetime1">
               <a:rPr lang="en-US" smtClean="0"/>
-              <a:t>11/29/16</a:t>
+              <a:t>11/30/16</a:t>
             </a:fld>
             <a:endParaRPr lang="en-US" dirty="0"/>
           </a:p>
@@ -3800,7 +3805,7 @@
           <a:p>
             <a:fld id="{83A17F7D-EB98-264F-947E-E52E83252E85}" type="datetime1">
               <a:rPr lang="en-US" smtClean="0"/>
-              <a:t>11/29/16</a:t>
+              <a:t>11/30/16</a:t>
             </a:fld>
             <a:endParaRPr lang="en-US" dirty="0"/>
           </a:p>
@@ -4072,7 +4077,7 @@
           <a:p>
             <a:fld id="{E8DBC56C-07DF-9943-B55D-00C7C803A2DD}" type="datetime1">
               <a:rPr lang="en-US" smtClean="0"/>
-              <a:t>11/29/16</a:t>
+              <a:t>11/30/16</a:t>
             </a:fld>
             <a:endParaRPr lang="en-US" dirty="0"/>
           </a:p>
@@ -4334,7 +4339,7 @@
           <a:p>
             <a:fld id="{68ADF501-A4B1-9D43-9EF3-9993551B1A8C}" type="datetime1">
               <a:rPr lang="en-US" smtClean="0"/>
-              <a:t>11/29/16</a:t>
+              <a:t>11/30/16</a:t>
             </a:fld>
             <a:endParaRPr lang="en-US" dirty="0"/>
           </a:p>
@@ -4704,7 +4709,7 @@
           <a:p>
             <a:fld id="{E853AF2E-2DC1-8842-8339-AEE0F1DED216}" type="datetime1">
               <a:rPr lang="en-US" smtClean="0"/>
-              <a:t>11/29/16</a:t>
+              <a:t>11/30/16</a:t>
             </a:fld>
             <a:endParaRPr lang="en-US" dirty="0"/>
           </a:p>
@@ -4848,7 +4853,7 @@
           <a:p>
             <a:fld id="{21D53933-CEFB-6A40-9E18-59B918B34BDC}" type="datetime1">
               <a:rPr lang="en-US" smtClean="0"/>
-              <a:t>11/29/16</a:t>
+              <a:t>11/30/16</a:t>
             </a:fld>
             <a:endParaRPr lang="en-US" dirty="0"/>
           </a:p>
@@ -4969,7 +4974,7 @@
           <a:p>
             <a:fld id="{4C7BCD6C-92E4-0C4C-A38E-49064BC3338F}" type="datetime1">
               <a:rPr lang="en-US" smtClean="0"/>
-              <a:t>11/29/16</a:t>
+              <a:t>11/30/16</a:t>
             </a:fld>
             <a:endParaRPr lang="en-US" dirty="0"/>
           </a:p>
@@ -5250,7 +5255,7 @@
           <a:p>
             <a:fld id="{29C8E712-D476-7243-BE3F-603B73B1E005}" type="datetime1">
               <a:rPr lang="en-US" smtClean="0"/>
-              <a:t>11/29/16</a:t>
+              <a:t>11/30/16</a:t>
             </a:fld>
             <a:endParaRPr lang="en-US" dirty="0"/>
           </a:p>
@@ -5570,7 +5575,7 @@
           <a:p>
             <a:fld id="{59D877A6-43BC-AF4F-952E-D7F3C174B8AD}" type="datetime1">
               <a:rPr lang="en-US" smtClean="0"/>
-              <a:t>11/29/16</a:t>
+              <a:t>11/30/16</a:t>
             </a:fld>
             <a:endParaRPr lang="en-US" dirty="0"/>
           </a:p>
@@ -5780,7 +5785,7 @@
           <a:p>
             <a:fld id="{59FE65C0-68AB-9E42-8ACF-6F9962D09610}" type="datetime1">
               <a:rPr lang="en-US" smtClean="0"/>
-              <a:t>11/29/16</a:t>
+              <a:t>11/30/16</a:t>
             </a:fld>
             <a:endParaRPr lang="en-US" dirty="0"/>
           </a:p>
@@ -7268,7 +7273,7 @@
           <a:p>
             <a:fld id="{83A17F7D-EB98-264F-947E-E52E83252E85}" type="datetime1">
               <a:rPr lang="en-US" smtClean="0"/>
-              <a:t>11/29/16</a:t>
+              <a:t>11/30/16</a:t>
             </a:fld>
             <a:endParaRPr lang="en-US" dirty="0"/>
           </a:p>
@@ -8064,8 +8069,8 @@
               <a:t>Ada Boosting </a:t>
             </a:r>
             <a:r>
-              <a:rPr lang="en-US" sz="2400" dirty="0" err="1" smtClean="0"/>
-              <a:t>Regresso</a:t>
+              <a:rPr lang="en-US" sz="2400" smtClean="0"/>
+              <a:t>Regressor</a:t>
             </a:r>
             <a:endParaRPr lang="en-US" sz="2400" dirty="0"/>
           </a:p>
@@ -8088,7 +8093,7 @@
           <a:p>
             <a:fld id="{83A17F7D-EB98-264F-947E-E52E83252E85}" type="datetime1">
               <a:rPr lang="en-US" smtClean="0"/>
-              <a:t>11/29/16</a:t>
+              <a:t>11/30/16</a:t>
             </a:fld>
             <a:endParaRPr lang="en-US" dirty="0"/>
           </a:p>
@@ -8594,7 +8599,7 @@
           <a:p>
             <a:fld id="{83A17F7D-EB98-264F-947E-E52E83252E85}" type="datetime1">
               <a:rPr lang="en-US" smtClean="0"/>
-              <a:t>11/29/16</a:t>
+              <a:t>11/30/16</a:t>
             </a:fld>
             <a:endParaRPr lang="en-US" dirty="0"/>
           </a:p>
@@ -8898,7 +8903,7 @@
           <a:p>
             <a:fld id="{83A17F7D-EB98-264F-947E-E52E83252E85}" type="datetime1">
               <a:rPr lang="en-US" smtClean="0"/>
-              <a:t>11/29/16</a:t>
+              <a:t>11/30/16</a:t>
             </a:fld>
             <a:endParaRPr lang="en-US" dirty="0"/>
           </a:p>
@@ -9233,7 +9238,7 @@
           <a:p>
             <a:fld id="{83A17F7D-EB98-264F-947E-E52E83252E85}" type="datetime1">
               <a:rPr lang="en-US" smtClean="0"/>
-              <a:t>11/29/16</a:t>
+              <a:t>11/30/16</a:t>
             </a:fld>
             <a:endParaRPr lang="en-US" dirty="0"/>
           </a:p>
@@ -9388,7 +9393,7 @@
           <a:p>
             <a:fld id="{83A17F7D-EB98-264F-947E-E52E83252E85}" type="datetime1">
               <a:rPr lang="en-US" smtClean="0"/>
-              <a:t>11/29/16</a:t>
+              <a:t>11/30/16</a:t>
             </a:fld>
             <a:endParaRPr lang="en-US" dirty="0"/>
           </a:p>
@@ -10183,7 +10188,7 @@
           <a:p>
             <a:fld id="{83A17F7D-EB98-264F-947E-E52E83252E85}" type="datetime1">
               <a:rPr lang="en-US" smtClean="0"/>
-              <a:t>11/29/16</a:t>
+              <a:t>11/30/16</a:t>
             </a:fld>
             <a:endParaRPr lang="en-US" dirty="0"/>
           </a:p>
@@ -10617,7 +10622,7 @@
           <a:p>
             <a:fld id="{83A17F7D-EB98-264F-947E-E52E83252E85}" type="datetime1">
               <a:rPr lang="en-US" smtClean="0"/>
-              <a:t>11/29/16</a:t>
+              <a:t>11/30/16</a:t>
             </a:fld>
             <a:endParaRPr lang="en-US" dirty="0"/>
           </a:p>
@@ -11153,7 +11158,7 @@
           <a:p>
             <a:fld id="{83A17F7D-EB98-264F-947E-E52E83252E85}" type="datetime1">
               <a:rPr lang="en-US" smtClean="0"/>
-              <a:t>11/29/16</a:t>
+              <a:t>11/30/16</a:t>
             </a:fld>
             <a:endParaRPr lang="en-US" dirty="0"/>
           </a:p>
@@ -11357,7 +11362,7 @@
           <a:p>
             <a:fld id="{83A17F7D-EB98-264F-947E-E52E83252E85}" type="datetime1">
               <a:rPr lang="en-US" smtClean="0"/>
-              <a:t>11/29/16</a:t>
+              <a:t>11/30/16</a:t>
             </a:fld>
             <a:endParaRPr lang="en-US" dirty="0"/>
           </a:p>
@@ -11530,7 +11535,7 @@
           <a:p>
             <a:fld id="{83A17F7D-EB98-264F-947E-E52E83252E85}" type="datetime1">
               <a:rPr lang="en-US" smtClean="0"/>
-              <a:t>11/29/16</a:t>
+              <a:t>11/30/16</a:t>
             </a:fld>
             <a:endParaRPr lang="en-US" dirty="0"/>
           </a:p>
@@ -11733,7 +11738,7 @@
           <a:p>
             <a:fld id="{83A17F7D-EB98-264F-947E-E52E83252E85}" type="datetime1">
               <a:rPr lang="en-US" smtClean="0"/>
-              <a:t>11/29/16</a:t>
+              <a:t>11/30/16</a:t>
             </a:fld>
             <a:endParaRPr lang="en-US" dirty="0"/>
           </a:p>
@@ -11934,7 +11939,7 @@
           <a:p>
             <a:fld id="{83A17F7D-EB98-264F-947E-E52E83252E85}" type="datetime1">
               <a:rPr lang="en-US" smtClean="0"/>
-              <a:t>11/29/16</a:t>
+              <a:t>11/30/16</a:t>
             </a:fld>
             <a:endParaRPr lang="en-US" dirty="0"/>
           </a:p>
@@ -12806,7 +12811,7 @@
           <a:p>
             <a:fld id="{83A17F7D-EB98-264F-947E-E52E83252E85}" type="datetime1">
               <a:rPr lang="en-US" smtClean="0"/>
-              <a:t>11/29/16</a:t>
+              <a:t>11/30/16</a:t>
             </a:fld>
             <a:endParaRPr lang="en-US" dirty="0"/>
           </a:p>
@@ -13831,7 +13836,7 @@
           <a:p>
             <a:fld id="{83A17F7D-EB98-264F-947E-E52E83252E85}" type="datetime1">
               <a:rPr lang="en-US" smtClean="0"/>
-              <a:t>11/29/16</a:t>
+              <a:t>11/30/16</a:t>
             </a:fld>
             <a:endParaRPr lang="en-US" dirty="0"/>
           </a:p>
